--- a/workshops/event-api-deep-dive/event-api-deep-dive.pptx
+++ b/workshops/event-api-deep-dive/event-api-deep-dive.pptx
@@ -5,10 +5,10 @@
     <p:sldMasterId id="2147483648" r:id="rId4"/>
   </p:sldMasterIdLst>
   <p:notesMasterIdLst>
-    <p:notesMasterId r:id="rId31"/>
+    <p:notesMasterId r:id="rId32"/>
   </p:notesMasterIdLst>
   <p:handoutMasterIdLst>
-    <p:handoutMasterId r:id="rId32"/>
+    <p:handoutMasterId r:id="rId33"/>
   </p:handoutMasterIdLst>
   <p:sldIdLst>
     <p:sldId id="372" r:id="rId5"/>
@@ -21,46 +21,47 @@
     <p:sldId id="551" r:id="rId12"/>
     <p:sldId id="552" r:id="rId13"/>
     <p:sldId id="554" r:id="rId14"/>
-    <p:sldId id="423" r:id="rId15"/>
-    <p:sldId id="416" r:id="rId16"/>
-    <p:sldId id="431" r:id="rId17"/>
-    <p:sldId id="560" r:id="rId18"/>
-    <p:sldId id="568" r:id="rId19"/>
-    <p:sldId id="557" r:id="rId20"/>
-    <p:sldId id="558" r:id="rId21"/>
-    <p:sldId id="559" r:id="rId22"/>
-    <p:sldId id="556" r:id="rId23"/>
-    <p:sldId id="561" r:id="rId24"/>
-    <p:sldId id="564" r:id="rId25"/>
-    <p:sldId id="565" r:id="rId26"/>
-    <p:sldId id="566" r:id="rId27"/>
-    <p:sldId id="562" r:id="rId28"/>
-    <p:sldId id="479" r:id="rId29"/>
-    <p:sldId id="513" r:id="rId30"/>
+    <p:sldId id="569" r:id="rId15"/>
+    <p:sldId id="423" r:id="rId16"/>
+    <p:sldId id="416" r:id="rId17"/>
+    <p:sldId id="431" r:id="rId18"/>
+    <p:sldId id="560" r:id="rId19"/>
+    <p:sldId id="568" r:id="rId20"/>
+    <p:sldId id="557" r:id="rId21"/>
+    <p:sldId id="558" r:id="rId22"/>
+    <p:sldId id="559" r:id="rId23"/>
+    <p:sldId id="556" r:id="rId24"/>
+    <p:sldId id="561" r:id="rId25"/>
+    <p:sldId id="564" r:id="rId26"/>
+    <p:sldId id="565" r:id="rId27"/>
+    <p:sldId id="566" r:id="rId28"/>
+    <p:sldId id="562" r:id="rId29"/>
+    <p:sldId id="479" r:id="rId30"/>
+    <p:sldId id="513" r:id="rId31"/>
   </p:sldIdLst>
   <p:sldSz cx="12192000" cy="6858000"/>
   <p:notesSz cx="6858000" cy="9144000"/>
   <p:embeddedFontLst>
     <p:embeddedFont>
       <p:font typeface="Calibri" panose="020F0502020204030204" pitchFamily="34" charset="0"/>
-      <p:regular r:id="rId33"/>
-      <p:bold r:id="rId34"/>
-      <p:italic r:id="rId35"/>
-      <p:boldItalic r:id="rId36"/>
+      <p:regular r:id="rId34"/>
+      <p:bold r:id="rId35"/>
+      <p:italic r:id="rId36"/>
+      <p:boldItalic r:id="rId37"/>
     </p:embeddedFont>
     <p:embeddedFont>
       <p:font typeface="DFDS" panose="00000500000000000000" pitchFamily="2" charset="0"/>
-      <p:regular r:id="rId37"/>
-      <p:bold r:id="rId38"/>
-      <p:italic r:id="rId39"/>
+      <p:regular r:id="rId38"/>
+      <p:bold r:id="rId39"/>
+      <p:italic r:id="rId40"/>
     </p:embeddedFont>
     <p:embeddedFont>
       <p:font typeface="DFDS Bold" panose="00000800000000000000" pitchFamily="2" charset="0"/>
-      <p:bold r:id="rId40"/>
+      <p:bold r:id="rId41"/>
     </p:embeddedFont>
     <p:embeddedFont>
       <p:font typeface="DFDS Light" panose="00000400000000000000" pitchFamily="2" charset="0"/>
-      <p:regular r:id="rId41"/>
+      <p:regular r:id="rId42"/>
     </p:embeddedFont>
   </p:embeddedFontLst>
   <p:defaultTextStyle>
@@ -3665,7 +3666,7 @@
     </p:spTree>
     <p:extLst>
       <p:ext uri="{BB962C8B-B14F-4D97-AF65-F5344CB8AC3E}">
-        <p14:creationId xmlns:p14="http://schemas.microsoft.com/office/powerpoint/2010/main" val="1688649876"/>
+        <p14:creationId xmlns:p14="http://schemas.microsoft.com/office/powerpoint/2010/main" val="163596130"/>
       </p:ext>
     </p:extLst>
   </p:cSld>
@@ -3750,7 +3751,7 @@
     </p:spTree>
     <p:extLst>
       <p:ext uri="{BB962C8B-B14F-4D97-AF65-F5344CB8AC3E}">
-        <p14:creationId xmlns:p14="http://schemas.microsoft.com/office/powerpoint/2010/main" val="1390659556"/>
+        <p14:creationId xmlns:p14="http://schemas.microsoft.com/office/powerpoint/2010/main" val="1688649876"/>
       </p:ext>
     </p:extLst>
   </p:cSld>
@@ -3804,10 +3805,6 @@
           <a:bodyPr/>
           <a:lstStyle/>
           <a:p>
-            <a:pPr marL="0" indent="0">
-              <a:buFontTx/>
-              <a:buNone/>
-            </a:pPr>
             <a:endParaRPr lang="en-US" dirty="0"/>
           </a:p>
         </p:txBody>
@@ -3839,7 +3836,7 @@
     </p:spTree>
     <p:extLst>
       <p:ext uri="{BB962C8B-B14F-4D97-AF65-F5344CB8AC3E}">
-        <p14:creationId xmlns:p14="http://schemas.microsoft.com/office/powerpoint/2010/main" val="1205524757"/>
+        <p14:creationId xmlns:p14="http://schemas.microsoft.com/office/powerpoint/2010/main" val="1390659556"/>
       </p:ext>
     </p:extLst>
   </p:cSld>
@@ -3897,14 +3894,6 @@
               <a:buFontTx/>
               <a:buNone/>
             </a:pPr>
-            <a:r>
-              <a:rPr lang="en-US" dirty="0"/>
-              <a:t>Postman + </a:t>
-            </a:r>
-            <a:r>
-              <a:rPr lang="en-US" dirty="0" err="1"/>
-              <a:t>AsyncAPI</a:t>
-            </a:r>
             <a:endParaRPr lang="en-US" dirty="0"/>
           </a:p>
         </p:txBody>
@@ -3936,7 +3925,7 @@
     </p:spTree>
     <p:extLst>
       <p:ext uri="{BB962C8B-B14F-4D97-AF65-F5344CB8AC3E}">
-        <p14:creationId xmlns:p14="http://schemas.microsoft.com/office/powerpoint/2010/main" val="2537045271"/>
+        <p14:creationId xmlns:p14="http://schemas.microsoft.com/office/powerpoint/2010/main" val="1205524757"/>
       </p:ext>
     </p:extLst>
   </p:cSld>
@@ -3990,7 +3979,22 @@
           <a:bodyPr/>
           <a:lstStyle/>
           <a:p>
-            <a:endParaRPr lang="en-US" dirty="0"/>
+            <a:pPr marL="0" indent="0">
+              <a:buFontTx/>
+              <a:buNone/>
+            </a:pPr>
+            <a:r>
+              <a:rPr lang="en-US" dirty="0"/>
+              <a:t>TODO: Postman + </a:t>
+            </a:r>
+            <a:r>
+              <a:rPr lang="en-US" dirty="0" err="1"/>
+              <a:t>AsyncAPI</a:t>
+            </a:r>
+            <a:r>
+              <a:rPr lang="en-US" dirty="0"/>
+              <a:t> kata</a:t>
+            </a:r>
           </a:p>
         </p:txBody>
       </p:sp>
@@ -4012,7 +4016,7 @@
             <a:fld id="{49436F85-577F-4A92-A47F-D540A2BCC821}" type="slidenum">
               <a:rPr lang="en-GB" smtClean="0"/>
               <a:pPr/>
-              <a:t>20</a:t>
+              <a:t>19</a:t>
             </a:fld>
             <a:endParaRPr lang="en-GB" dirty="0"/>
           </a:p>
@@ -4021,7 +4025,7 @@
     </p:spTree>
     <p:extLst>
       <p:ext uri="{BB962C8B-B14F-4D97-AF65-F5344CB8AC3E}">
-        <p14:creationId xmlns:p14="http://schemas.microsoft.com/office/powerpoint/2010/main" val="3511082406"/>
+        <p14:creationId xmlns:p14="http://schemas.microsoft.com/office/powerpoint/2010/main" val="2537045271"/>
       </p:ext>
     </p:extLst>
   </p:cSld>
@@ -4106,7 +4110,7 @@
     </p:spTree>
     <p:extLst>
       <p:ext uri="{BB962C8B-B14F-4D97-AF65-F5344CB8AC3E}">
-        <p14:creationId xmlns:p14="http://schemas.microsoft.com/office/powerpoint/2010/main" val="1698240100"/>
+        <p14:creationId xmlns:p14="http://schemas.microsoft.com/office/powerpoint/2010/main" val="3511082406"/>
       </p:ext>
     </p:extLst>
   </p:cSld>
@@ -4160,10 +4164,6 @@
           <a:bodyPr/>
           <a:lstStyle/>
           <a:p>
-            <a:pPr marL="0" indent="0">
-              <a:buFontTx/>
-              <a:buNone/>
-            </a:pPr>
             <a:endParaRPr lang="en-US" dirty="0"/>
           </a:p>
         </p:txBody>
@@ -4195,7 +4195,7 @@
     </p:spTree>
     <p:extLst>
       <p:ext uri="{BB962C8B-B14F-4D97-AF65-F5344CB8AC3E}">
-        <p14:creationId xmlns:p14="http://schemas.microsoft.com/office/powerpoint/2010/main" val="4018617007"/>
+        <p14:creationId xmlns:p14="http://schemas.microsoft.com/office/powerpoint/2010/main" val="1698240100"/>
       </p:ext>
     </p:extLst>
   </p:cSld>
@@ -4249,38 +4249,10 @@
           <a:bodyPr/>
           <a:lstStyle/>
           <a:p>
-            <a:pPr marL="0" marR="0" lvl="0" indent="0" algn="l" defTabSz="914400" rtl="0" eaLnBrk="1" fontAlgn="auto" latinLnBrk="0" hangingPunct="1">
-              <a:lnSpc>
-                <a:spcPct val="100000"/>
-              </a:lnSpc>
-              <a:spcBef>
-                <a:spcPts val="0"/>
-              </a:spcBef>
-              <a:spcAft>
-                <a:spcPts val="0"/>
-              </a:spcAft>
-              <a:buClrTx/>
-              <a:buSzTx/>
-              <a:buFontTx/>
-              <a:buNone/>
-              <a:tabLst/>
-              <a:defRPr/>
-            </a:pPr>
-            <a:r>
-              <a:rPr lang="en-US" dirty="0" err="1"/>
-              <a:t>Kafkacat</a:t>
-            </a:r>
-            <a:endParaRPr lang="en-US" dirty="0"/>
-          </a:p>
-          <a:p>
             <a:pPr marL="0" indent="0">
               <a:buFontTx/>
               <a:buNone/>
             </a:pPr>
-            <a:r>
-              <a:rPr lang="en-US" dirty="0" err="1"/>
-              <a:t>Websocat</a:t>
-            </a:r>
             <a:endParaRPr lang="en-US" dirty="0"/>
           </a:p>
         </p:txBody>
@@ -4312,7 +4284,7 @@
     </p:spTree>
     <p:extLst>
       <p:ext uri="{BB962C8B-B14F-4D97-AF65-F5344CB8AC3E}">
-        <p14:creationId xmlns:p14="http://schemas.microsoft.com/office/powerpoint/2010/main" val="1722992019"/>
+        <p14:creationId xmlns:p14="http://schemas.microsoft.com/office/powerpoint/2010/main" val="4018617007"/>
       </p:ext>
     </p:extLst>
   </p:cSld>
@@ -4366,7 +4338,53 @@
           <a:bodyPr/>
           <a:lstStyle/>
           <a:p>
-            <a:endParaRPr lang="en-US" dirty="0"/>
+            <a:pPr marL="0" marR="0" lvl="0" indent="0" algn="l" defTabSz="914400" rtl="0" eaLnBrk="1" fontAlgn="auto" latinLnBrk="0" hangingPunct="1">
+              <a:lnSpc>
+                <a:spcPct val="100000"/>
+              </a:lnSpc>
+              <a:spcBef>
+                <a:spcPts val="0"/>
+              </a:spcBef>
+              <a:spcAft>
+                <a:spcPts val="0"/>
+              </a:spcAft>
+              <a:buClrTx/>
+              <a:buSzTx/>
+              <a:buFontTx/>
+              <a:buNone/>
+              <a:tabLst/>
+              <a:defRPr/>
+            </a:pPr>
+            <a:r>
+              <a:rPr lang="en-US" dirty="0"/>
+              <a:t>TODO: </a:t>
+            </a:r>
+            <a:r>
+              <a:rPr lang="en-US" dirty="0" err="1"/>
+              <a:t>Kafkacat</a:t>
+            </a:r>
+            <a:r>
+              <a:rPr lang="en-US" dirty="0"/>
+              <a:t> kata</a:t>
+            </a:r>
+          </a:p>
+          <a:p>
+            <a:pPr marL="0" indent="0">
+              <a:buFontTx/>
+              <a:buNone/>
+            </a:pPr>
+            <a:r>
+              <a:rPr lang="en-US" dirty="0"/>
+              <a:t>TODO: </a:t>
+            </a:r>
+            <a:r>
+              <a:rPr lang="en-US" dirty="0" err="1"/>
+              <a:t>Websocat</a:t>
+            </a:r>
+            <a:r>
+              <a:rPr lang="en-US" dirty="0"/>
+              <a:t> kata</a:t>
+            </a:r>
           </a:p>
         </p:txBody>
       </p:sp>
@@ -4388,7 +4406,92 @@
             <a:fld id="{49436F85-577F-4A92-A47F-D540A2BCC821}" type="slidenum">
               <a:rPr lang="en-GB" smtClean="0"/>
               <a:pPr/>
-              <a:t>26</a:t>
+              <a:t>24</a:t>
+            </a:fld>
+            <a:endParaRPr lang="en-GB" dirty="0"/>
+          </a:p>
+        </p:txBody>
+      </p:sp>
+    </p:spTree>
+    <p:extLst>
+      <p:ext uri="{BB962C8B-B14F-4D97-AF65-F5344CB8AC3E}">
+        <p14:creationId xmlns:p14="http://schemas.microsoft.com/office/powerpoint/2010/main" val="1722992019"/>
+      </p:ext>
+    </p:extLst>
+  </p:cSld>
+  <p:clrMapOvr>
+    <a:masterClrMapping/>
+  </p:clrMapOvr>
+</p:notes>
+</file>
+
+<file path=ppt/notesSlides/notesSlide19.xml><?xml version="1.0" encoding="utf-8"?>
+<p:notes xmlns:a="http://schemas.openxmlformats.org/drawingml/2006/main" xmlns:r="http://schemas.openxmlformats.org/officeDocument/2006/relationships" xmlns:p="http://schemas.openxmlformats.org/presentationml/2006/main">
+  <p:cSld>
+    <p:spTree>
+      <p:nvGrpSpPr>
+        <p:cNvPr id="1" name=""/>
+        <p:cNvGrpSpPr/>
+        <p:nvPr/>
+      </p:nvGrpSpPr>
+      <p:grpSpPr>
+        <a:xfrm>
+          <a:off x="0" y="0"/>
+          <a:ext cx="0" cy="0"/>
+          <a:chOff x="0" y="0"/>
+          <a:chExt cx="0" cy="0"/>
+        </a:xfrm>
+      </p:grpSpPr>
+      <p:sp>
+        <p:nvSpPr>
+          <p:cNvPr id="2" name="Slide Image Placeholder 1"/>
+          <p:cNvSpPr>
+            <a:spLocks noGrp="1" noRot="1" noChangeAspect="1"/>
+          </p:cNvSpPr>
+          <p:nvPr>
+            <p:ph type="sldImg"/>
+          </p:nvPr>
+        </p:nvSpPr>
+        <p:spPr/>
+      </p:sp>
+      <p:sp>
+        <p:nvSpPr>
+          <p:cNvPr id="3" name="Notes Placeholder 2"/>
+          <p:cNvSpPr>
+            <a:spLocks noGrp="1"/>
+          </p:cNvSpPr>
+          <p:nvPr>
+            <p:ph type="body" idx="1"/>
+          </p:nvPr>
+        </p:nvSpPr>
+        <p:spPr/>
+        <p:txBody>
+          <a:bodyPr/>
+          <a:lstStyle/>
+          <a:p>
+            <a:endParaRPr lang="en-US" dirty="0"/>
+          </a:p>
+        </p:txBody>
+      </p:sp>
+      <p:sp>
+        <p:nvSpPr>
+          <p:cNvPr id="4" name="Slide Number Placeholder 3"/>
+          <p:cNvSpPr>
+            <a:spLocks noGrp="1"/>
+          </p:cNvSpPr>
+          <p:nvPr>
+            <p:ph type="sldNum" sz="quarter" idx="5"/>
+          </p:nvPr>
+        </p:nvSpPr>
+        <p:spPr/>
+        <p:txBody>
+          <a:bodyPr/>
+          <a:lstStyle/>
+          <a:p>
+            <a:fld id="{49436F85-577F-4A92-A47F-D540A2BCC821}" type="slidenum">
+              <a:rPr lang="en-GB" smtClean="0"/>
+              <a:pPr/>
+              <a:t>27</a:t>
             </a:fld>
             <a:endParaRPr lang="en-GB" dirty="0"/>
           </a:p>
@@ -4812,89 +4915,6 @@
           <a:bodyPr/>
           <a:lstStyle/>
           <a:p>
-            <a:pPr marL="457200" indent="-457200">
-              <a:buFont typeface="+mj-lt"/>
-              <a:buAutoNum type="arabicPeriod"/>
-            </a:pPr>
-            <a:r>
-              <a:rPr lang="en-US" sz="1200" dirty="0"/>
-              <a:t>A client initiates a WebSocket handshake process by sending a HTTP upgrade request to a server.</a:t>
-            </a:r>
-            <a:br>
-              <a:rPr lang="en-US" sz="1200" dirty="0"/>
-            </a:br>
-            <a:endParaRPr lang="en-US" sz="1200" dirty="0"/>
-          </a:p>
-          <a:p>
-            <a:pPr marL="457200" indent="-457200">
-              <a:buFont typeface="+mj-lt"/>
-              <a:buAutoNum type="arabicPeriod"/>
-            </a:pPr>
-            <a:r>
-              <a:rPr lang="en-US" sz="1200" dirty="0"/>
-              <a:t>The server receives the HTTP upgrade request and tries to opens a connection to the web client.</a:t>
-            </a:r>
-          </a:p>
-          <a:p>
-            <a:pPr marL="457200" indent="-457200">
-              <a:buFont typeface="+mj-lt"/>
-              <a:buAutoNum type="arabicPeriod"/>
-            </a:pPr>
-            <a:endParaRPr lang="en-US" sz="1200" dirty="0"/>
-          </a:p>
-          <a:p>
-            <a:pPr marL="457200" indent="-457200">
-              <a:buFont typeface="+mj-lt"/>
-              <a:buAutoNum type="arabicPeriod"/>
-            </a:pPr>
-            <a:r>
-              <a:rPr lang="en-US" sz="1200" dirty="0"/>
-              <a:t>Upon receiving a successful WebSocket handshake response the web client tries to open a connection to the server.</a:t>
-            </a:r>
-          </a:p>
-          <a:p>
-            <a:pPr marL="457200" indent="-457200">
-              <a:buFont typeface="+mj-lt"/>
-              <a:buAutoNum type="arabicPeriod"/>
-            </a:pPr>
-            <a:endParaRPr lang="en-US" sz="1200" dirty="0"/>
-          </a:p>
-          <a:p>
-            <a:pPr marL="457200" indent="-457200">
-              <a:buFont typeface="+mj-lt"/>
-              <a:buAutoNum type="arabicPeriod"/>
-            </a:pPr>
-            <a:r>
-              <a:rPr lang="en-US" sz="1200" dirty="0"/>
-              <a:t>If both connections are established successfully full-duplex communication is now available between client and server over TCP. </a:t>
-            </a:r>
-            <a:br>
-              <a:rPr lang="en-US" sz="1200" dirty="0"/>
-            </a:br>
-            <a:br>
-              <a:rPr lang="en-US" sz="1200" dirty="0"/>
-            </a:br>
-            <a:r>
-              <a:rPr lang="en-US" sz="1200" dirty="0"/>
-              <a:t>The connection will close once either peer decides to do so.</a:t>
-            </a:r>
-            <a:endParaRPr lang="en-US" sz="1200" b="1" dirty="0"/>
-          </a:p>
-          <a:p>
-            <a:pPr marL="457200" indent="-457200">
-              <a:buFont typeface="+mj-lt"/>
-              <a:buAutoNum type="arabicPeriod"/>
-            </a:pPr>
-            <a:endParaRPr lang="en-US" sz="1200" dirty="0"/>
-          </a:p>
-          <a:p>
-            <a:pPr marL="457200" indent="-457200">
-              <a:buFont typeface="+mj-lt"/>
-              <a:buAutoNum type="arabicPeriod"/>
-            </a:pPr>
-            <a:endParaRPr lang="da-DK" sz="1200" dirty="0"/>
-          </a:p>
-          <a:p>
             <a:endParaRPr lang="en-US" dirty="0"/>
           </a:p>
         </p:txBody>
@@ -4980,10 +5000,6 @@
           <a:bodyPr/>
           <a:lstStyle/>
           <a:p>
-            <a:pPr marL="0" indent="0">
-              <a:buFontTx/>
-              <a:buNone/>
-            </a:pPr>
             <a:endParaRPr lang="en-US" dirty="0"/>
           </a:p>
         </p:txBody>
@@ -5015,7 +5031,7 @@
     </p:spTree>
     <p:extLst>
       <p:ext uri="{BB962C8B-B14F-4D97-AF65-F5344CB8AC3E}">
-        <p14:creationId xmlns:p14="http://schemas.microsoft.com/office/powerpoint/2010/main" val="832629660"/>
+        <p14:creationId xmlns:p14="http://schemas.microsoft.com/office/powerpoint/2010/main" val="1187160267"/>
       </p:ext>
     </p:extLst>
   </p:cSld>
@@ -5073,30 +5089,7 @@
               <a:buFontTx/>
               <a:buNone/>
             </a:pPr>
-            <a:r>
-              <a:rPr lang="en-US" dirty="0"/>
-              <a:t>Client long-polling example</a:t>
-            </a:r>
-          </a:p>
-          <a:p>
-            <a:pPr marL="0" indent="0">
-              <a:buFontTx/>
-              <a:buNone/>
-            </a:pPr>
-            <a:r>
-              <a:rPr lang="en-US" dirty="0"/>
-              <a:t>Client SSE example</a:t>
-            </a:r>
-          </a:p>
-          <a:p>
-            <a:pPr marL="0" indent="0">
-              <a:buFontTx/>
-              <a:buNone/>
-            </a:pPr>
-            <a:r>
-              <a:rPr lang="en-US" dirty="0"/>
-              <a:t>Client WS example</a:t>
-            </a:r>
+            <a:endParaRPr lang="en-US" dirty="0"/>
           </a:p>
         </p:txBody>
       </p:sp>
@@ -5127,7 +5120,7 @@
     </p:spTree>
     <p:extLst>
       <p:ext uri="{BB962C8B-B14F-4D97-AF65-F5344CB8AC3E}">
-        <p14:creationId xmlns:p14="http://schemas.microsoft.com/office/powerpoint/2010/main" val="4079919734"/>
+        <p14:creationId xmlns:p14="http://schemas.microsoft.com/office/powerpoint/2010/main" val="832629660"/>
       </p:ext>
     </p:extLst>
   </p:cSld>
@@ -5181,7 +5174,52 @@
           <a:bodyPr/>
           <a:lstStyle/>
           <a:p>
-            <a:endParaRPr lang="en-US" dirty="0"/>
+            <a:pPr marL="0" indent="0">
+              <a:buFontTx/>
+              <a:buNone/>
+            </a:pPr>
+            <a:r>
+              <a:rPr lang="en-US" dirty="0"/>
+              <a:t>TODO: long-polling kata</a:t>
+            </a:r>
+          </a:p>
+          <a:p>
+            <a:pPr marL="0" indent="0">
+              <a:buFontTx/>
+              <a:buNone/>
+            </a:pPr>
+            <a:r>
+              <a:rPr lang="en-US" dirty="0"/>
+              <a:t>TODO: SSE kata</a:t>
+            </a:r>
+          </a:p>
+          <a:p>
+            <a:pPr marL="0" indent="0">
+              <a:buFontTx/>
+              <a:buNone/>
+            </a:pPr>
+            <a:r>
+              <a:rPr lang="en-US" dirty="0"/>
+              <a:t>TODO: WS kata</a:t>
+            </a:r>
+          </a:p>
+          <a:p>
+            <a:pPr marL="0" indent="0">
+              <a:buFontTx/>
+              <a:buNone/>
+            </a:pPr>
+            <a:r>
+              <a:rPr lang="en-US" dirty="0"/>
+              <a:t>STRETCH: </a:t>
+            </a:r>
+            <a:r>
+              <a:rPr lang="en-US" dirty="0" err="1"/>
+              <a:t>gRPC</a:t>
+            </a:r>
+            <a:r>
+              <a:rPr lang="en-US" dirty="0"/>
+              <a:t> kata</a:t>
+            </a:r>
           </a:p>
         </p:txBody>
       </p:sp>
@@ -5203,7 +5241,7 @@
             <a:fld id="{49436F85-577F-4A92-A47F-D540A2BCC821}" type="slidenum">
               <a:rPr lang="en-GB" smtClean="0"/>
               <a:pPr/>
-              <a:t>14</a:t>
+              <a:t>13</a:t>
             </a:fld>
             <a:endParaRPr lang="en-GB" dirty="0"/>
           </a:p>
@@ -5212,7 +5250,7 @@
     </p:spTree>
     <p:extLst>
       <p:ext uri="{BB962C8B-B14F-4D97-AF65-F5344CB8AC3E}">
-        <p14:creationId xmlns:p14="http://schemas.microsoft.com/office/powerpoint/2010/main" val="163596130"/>
+        <p14:creationId xmlns:p14="http://schemas.microsoft.com/office/powerpoint/2010/main" val="4079919734"/>
       </p:ext>
     </p:extLst>
   </p:cSld>
@@ -21846,6 +21884,456 @@
           <a:chExt cx="0" cy="0"/>
         </a:xfrm>
       </p:grpSpPr>
+      <p:grpSp>
+        <p:nvGrpSpPr>
+          <p:cNvPr id="13" name="Group 12"/>
+          <p:cNvGrpSpPr/>
+          <p:nvPr/>
+        </p:nvGrpSpPr>
+        <p:grpSpPr>
+          <a:xfrm>
+            <a:off x="2" y="2"/>
+            <a:ext cx="12191999" cy="948335"/>
+            <a:chOff x="0" y="0"/>
+            <a:chExt cx="12192000" cy="948335"/>
+          </a:xfrm>
+          <a:solidFill>
+            <a:schemeClr val="accent1"/>
+          </a:solidFill>
+        </p:grpSpPr>
+        <p:sp>
+          <p:nvSpPr>
+            <p:cNvPr id="2" name="Rectangle 1"/>
+            <p:cNvSpPr/>
+            <p:nvPr/>
+          </p:nvSpPr>
+          <p:spPr>
+            <a:xfrm>
+              <a:off x="0" y="0"/>
+              <a:ext cx="12192000" cy="948335"/>
+            </a:xfrm>
+            <a:prstGeom prst="rect">
+              <a:avLst/>
+            </a:prstGeom>
+            <a:grpFill/>
+            <a:ln>
+              <a:noFill/>
+            </a:ln>
+          </p:spPr>
+          <p:style>
+            <a:lnRef idx="2">
+              <a:schemeClr val="accent1">
+                <a:shade val="50000"/>
+              </a:schemeClr>
+            </a:lnRef>
+            <a:fillRef idx="1">
+              <a:schemeClr val="accent1"/>
+            </a:fillRef>
+            <a:effectRef idx="0">
+              <a:schemeClr val="accent1"/>
+            </a:effectRef>
+            <a:fontRef idx="minor">
+              <a:schemeClr val="lt1"/>
+            </a:fontRef>
+          </p:style>
+          <p:txBody>
+            <a:bodyPr rtlCol="0" anchor="ctr"/>
+            <a:lstStyle/>
+            <a:p>
+              <a:pPr algn="ctr"/>
+              <a:endParaRPr lang="en-US" sz="1225" dirty="0"/>
+            </a:p>
+          </p:txBody>
+        </p:sp>
+        <p:sp>
+          <p:nvSpPr>
+            <p:cNvPr id="21" name="TextBox 20"/>
+            <p:cNvSpPr txBox="1"/>
+            <p:nvPr/>
+          </p:nvSpPr>
+          <p:spPr>
+            <a:xfrm>
+              <a:off x="501407" y="315365"/>
+              <a:ext cx="8089074" cy="400110"/>
+            </a:xfrm>
+            <a:prstGeom prst="rect">
+              <a:avLst/>
+            </a:prstGeom>
+            <a:grpFill/>
+            <a:ln>
+              <a:noFill/>
+            </a:ln>
+          </p:spPr>
+          <p:txBody>
+            <a:bodyPr wrap="square" rtlCol="0">
+              <a:spAutoFit/>
+            </a:bodyPr>
+            <a:lstStyle/>
+            <a:p>
+              <a:r>
+                <a:rPr lang="en-US" sz="2000" dirty="0">
+                  <a:solidFill>
+                    <a:schemeClr val="bg1"/>
+                  </a:solidFill>
+                </a:rPr>
+                <a:t>EADD &gt; Protocols &gt; </a:t>
+              </a:r>
+              <a:r>
+                <a:rPr lang="en-US" sz="2000" dirty="0" err="1">
+                  <a:solidFill>
+                    <a:schemeClr val="bg1"/>
+                  </a:solidFill>
+                </a:rPr>
+                <a:t>gRPC</a:t>
+              </a:r>
+              <a:endParaRPr lang="en-US" sz="2000" dirty="0">
+                <a:solidFill>
+                  <a:schemeClr val="bg1"/>
+                </a:solidFill>
+              </a:endParaRPr>
+            </a:p>
+          </p:txBody>
+        </p:sp>
+      </p:grpSp>
+      <p:pic>
+        <p:nvPicPr>
+          <p:cNvPr id="1026" name="Picture 2" descr="grpc">
+            <a:extLst>
+              <a:ext uri="{FF2B5EF4-FFF2-40B4-BE49-F238E27FC236}">
+                <a16:creationId xmlns:a16="http://schemas.microsoft.com/office/drawing/2014/main" id="{FD378139-56AE-4377-BFDE-9CB0699718A9}"/>
+              </a:ext>
+            </a:extLst>
+          </p:cNvPr>
+          <p:cNvPicPr>
+            <a:picLocks noChangeAspect="1" noChangeArrowheads="1"/>
+          </p:cNvPicPr>
+          <p:nvPr/>
+        </p:nvPicPr>
+        <p:blipFill>
+          <a:blip r:embed="rId3" cstate="print">
+            <a:extLst>
+              <a:ext uri="{28A0092B-C50C-407E-A947-70E740481C1C}">
+                <a14:useLocalDpi xmlns:a14="http://schemas.microsoft.com/office/drawing/2010/main" val="0"/>
+              </a:ext>
+            </a:extLst>
+          </a:blip>
+          <a:srcRect/>
+          <a:stretch>
+            <a:fillRect/>
+          </a:stretch>
+        </p:blipFill>
+        <p:spPr bwMode="auto">
+          <a:xfrm>
+            <a:off x="2682208" y="1369026"/>
+            <a:ext cx="6827583" cy="5077494"/>
+          </a:xfrm>
+          <a:prstGeom prst="rect">
+            <a:avLst/>
+          </a:prstGeom>
+          <a:noFill/>
+          <a:extLst>
+            <a:ext uri="{909E8E84-426E-40DD-AFC4-6F175D3DCCD1}">
+              <a14:hiddenFill xmlns:a14="http://schemas.microsoft.com/office/drawing/2010/main">
+                <a:solidFill>
+                  <a:srgbClr val="FFFFFF"/>
+                </a:solidFill>
+              </a14:hiddenFill>
+            </a:ext>
+          </a:extLst>
+        </p:spPr>
+      </p:pic>
+      <p:sp>
+        <p:nvSpPr>
+          <p:cNvPr id="14" name="Thought Bubble: Cloud 13">
+            <a:extLst>
+              <a:ext uri="{FF2B5EF4-FFF2-40B4-BE49-F238E27FC236}">
+                <a16:creationId xmlns:a16="http://schemas.microsoft.com/office/drawing/2014/main" id="{16F73270-31D6-4376-A6E5-1F7579FB980F}"/>
+              </a:ext>
+            </a:extLst>
+          </p:cNvPr>
+          <p:cNvSpPr/>
+          <p:nvPr/>
+        </p:nvSpPr>
+        <p:spPr>
+          <a:xfrm>
+            <a:off x="256032" y="1263702"/>
+            <a:ext cx="3236587" cy="4464846"/>
+          </a:xfrm>
+          <a:prstGeom prst="cloudCallout">
+            <a:avLst>
+              <a:gd name="adj1" fmla="val 119538"/>
+              <a:gd name="adj2" fmla="val 9078"/>
+            </a:avLst>
+          </a:prstGeom>
+          <a:solidFill>
+            <a:schemeClr val="accent1"/>
+          </a:solidFill>
+          <a:ln w="9525">
+            <a:solidFill>
+              <a:schemeClr val="accent1"/>
+            </a:solidFill>
+          </a:ln>
+        </p:spPr>
+        <p:style>
+          <a:lnRef idx="2">
+            <a:schemeClr val="accent1">
+              <a:shade val="50000"/>
+            </a:schemeClr>
+          </a:lnRef>
+          <a:fillRef idx="1">
+            <a:schemeClr val="accent1"/>
+          </a:fillRef>
+          <a:effectRef idx="0">
+            <a:schemeClr val="accent1"/>
+          </a:effectRef>
+          <a:fontRef idx="minor">
+            <a:schemeClr val="lt1"/>
+          </a:fontRef>
+        </p:style>
+        <p:txBody>
+          <a:bodyPr rot="0" spcFirstLastPara="0" vertOverflow="overflow" horzOverflow="overflow" vert="horz" wrap="square" lIns="72000" tIns="72000" rIns="72000" bIns="72000" numCol="1" spcCol="0" rtlCol="0" fromWordArt="0" anchor="ctr" anchorCtr="0" forceAA="0" compatLnSpc="1">
+            <a:prstTxWarp prst="textNoShape">
+              <a:avLst/>
+            </a:prstTxWarp>
+            <a:noAutofit/>
+          </a:bodyPr>
+          <a:lstStyle/>
+          <a:p>
+            <a:pPr algn="ctr"/>
+            <a:r>
+              <a:rPr lang="en-US" sz="1600" dirty="0" err="1"/>
+              <a:t>gRPC</a:t>
+            </a:r>
+            <a:r>
+              <a:rPr lang="en-US" sz="1600" dirty="0"/>
+              <a:t>, unbeknownst to many, supports bi-directional streaming because of its ties to HTTP/2. In other words, it allows defining a service operation that either accepts an incoming stream or emits an outgoing stream, or both.</a:t>
+            </a:r>
+          </a:p>
+        </p:txBody>
+      </p:sp>
+      <p:sp>
+        <p:nvSpPr>
+          <p:cNvPr id="15" name="Thought Bubble: Cloud 14">
+            <a:extLst>
+              <a:ext uri="{FF2B5EF4-FFF2-40B4-BE49-F238E27FC236}">
+                <a16:creationId xmlns:a16="http://schemas.microsoft.com/office/drawing/2014/main" id="{02DCAD72-7678-491A-B4A9-507E297EBA4D}"/>
+              </a:ext>
+            </a:extLst>
+          </p:cNvPr>
+          <p:cNvSpPr/>
+          <p:nvPr/>
+        </p:nvSpPr>
+        <p:spPr>
+          <a:xfrm>
+            <a:off x="8366985" y="1136166"/>
+            <a:ext cx="3703095" cy="4928616"/>
+          </a:xfrm>
+          <a:prstGeom prst="cloudCallout">
+            <a:avLst>
+              <a:gd name="adj1" fmla="val -111594"/>
+              <a:gd name="adj2" fmla="val -18138"/>
+            </a:avLst>
+          </a:prstGeom>
+          <a:solidFill>
+            <a:schemeClr val="accent1"/>
+          </a:solidFill>
+          <a:ln w="9525">
+            <a:solidFill>
+              <a:schemeClr val="accent1"/>
+            </a:solidFill>
+          </a:ln>
+        </p:spPr>
+        <p:style>
+          <a:lnRef idx="2">
+            <a:schemeClr val="accent1">
+              <a:shade val="50000"/>
+            </a:schemeClr>
+          </a:lnRef>
+          <a:fillRef idx="1">
+            <a:schemeClr val="accent1"/>
+          </a:fillRef>
+          <a:effectRef idx="0">
+            <a:schemeClr val="accent1"/>
+          </a:effectRef>
+          <a:fontRef idx="minor">
+            <a:schemeClr val="lt1"/>
+          </a:fontRef>
+        </p:style>
+        <p:txBody>
+          <a:bodyPr rot="0" spcFirstLastPara="0" vertOverflow="overflow" horzOverflow="overflow" vert="horz" wrap="square" lIns="72000" tIns="72000" rIns="72000" bIns="72000" numCol="1" spcCol="0" rtlCol="0" fromWordArt="0" anchor="ctr" anchorCtr="0" forceAA="0" compatLnSpc="1">
+            <a:prstTxWarp prst="textNoShape">
+              <a:avLst/>
+            </a:prstTxWarp>
+            <a:noAutofit/>
+          </a:bodyPr>
+          <a:lstStyle/>
+          <a:p>
+            <a:pPr algn="ctr"/>
+            <a:r>
+              <a:rPr lang="en-US" sz="1600" dirty="0" err="1"/>
+              <a:t>gRPC</a:t>
+            </a:r>
+            <a:r>
+              <a:rPr lang="en-US" sz="1600" dirty="0"/>
+              <a:t> takes advantage of HTTP/2 and protocol buffers to ensure increased performance and maximum interoperability. In other words, the .proto file acts as the service definition (instead of a Swagger file) and can be used to generate client stubs and server-side skeletons. </a:t>
+            </a:r>
+          </a:p>
+        </p:txBody>
+      </p:sp>
+    </p:spTree>
+    <p:extLst>
+      <p:ext uri="{BB962C8B-B14F-4D97-AF65-F5344CB8AC3E}">
+        <p14:creationId xmlns:p14="http://schemas.microsoft.com/office/powerpoint/2010/main" val="1685079672"/>
+      </p:ext>
+    </p:extLst>
+  </p:cSld>
+  <p:clrMapOvr>
+    <a:masterClrMapping/>
+  </p:clrMapOvr>
+  <p:timing>
+    <p:tnLst>
+      <p:par>
+        <p:cTn id="1" dur="indefinite" restart="never" nodeType="tmRoot">
+          <p:childTnLst>
+            <p:seq concurrent="1" nextAc="seek">
+              <p:cTn id="2" dur="indefinite" nodeType="mainSeq">
+                <p:childTnLst>
+                  <p:par>
+                    <p:cTn id="3" fill="hold">
+                      <p:stCondLst>
+                        <p:cond delay="indefinite"/>
+                      </p:stCondLst>
+                      <p:childTnLst>
+                        <p:par>
+                          <p:cTn id="4" fill="hold">
+                            <p:stCondLst>
+                              <p:cond delay="0"/>
+                            </p:stCondLst>
+                            <p:childTnLst>
+                              <p:par>
+                                <p:cTn id="5" presetID="1" presetClass="entr" presetSubtype="0" fill="hold" grpId="0" nodeType="clickEffect">
+                                  <p:stCondLst>
+                                    <p:cond delay="0"/>
+                                  </p:stCondLst>
+                                  <p:childTnLst>
+                                    <p:set>
+                                      <p:cBhvr>
+                                        <p:cTn id="6" dur="1" fill="hold">
+                                          <p:stCondLst>
+                                            <p:cond delay="0"/>
+                                          </p:stCondLst>
+                                        </p:cTn>
+                                        <p:tgtEl>
+                                          <p:spTgt spid="14"/>
+                                        </p:tgtEl>
+                                        <p:attrNameLst>
+                                          <p:attrName>style.visibility</p:attrName>
+                                        </p:attrNameLst>
+                                      </p:cBhvr>
+                                      <p:to>
+                                        <p:strVal val="visible"/>
+                                      </p:to>
+                                    </p:set>
+                                  </p:childTnLst>
+                                </p:cTn>
+                              </p:par>
+                            </p:childTnLst>
+                          </p:cTn>
+                        </p:par>
+                      </p:childTnLst>
+                    </p:cTn>
+                  </p:par>
+                  <p:par>
+                    <p:cTn id="7" fill="hold">
+                      <p:stCondLst>
+                        <p:cond delay="indefinite"/>
+                      </p:stCondLst>
+                      <p:childTnLst>
+                        <p:par>
+                          <p:cTn id="8" fill="hold">
+                            <p:stCondLst>
+                              <p:cond delay="0"/>
+                            </p:stCondLst>
+                            <p:childTnLst>
+                              <p:par>
+                                <p:cTn id="9" presetID="1" presetClass="entr" presetSubtype="0" fill="hold" grpId="0" nodeType="clickEffect">
+                                  <p:stCondLst>
+                                    <p:cond delay="0"/>
+                                  </p:stCondLst>
+                                  <p:childTnLst>
+                                    <p:set>
+                                      <p:cBhvr>
+                                        <p:cTn id="10" dur="1" fill="hold">
+                                          <p:stCondLst>
+                                            <p:cond delay="0"/>
+                                          </p:stCondLst>
+                                        </p:cTn>
+                                        <p:tgtEl>
+                                          <p:spTgt spid="15"/>
+                                        </p:tgtEl>
+                                        <p:attrNameLst>
+                                          <p:attrName>style.visibility</p:attrName>
+                                        </p:attrNameLst>
+                                      </p:cBhvr>
+                                      <p:to>
+                                        <p:strVal val="visible"/>
+                                      </p:to>
+                                    </p:set>
+                                  </p:childTnLst>
+                                </p:cTn>
+                              </p:par>
+                            </p:childTnLst>
+                          </p:cTn>
+                        </p:par>
+                      </p:childTnLst>
+                    </p:cTn>
+                  </p:par>
+                </p:childTnLst>
+              </p:cTn>
+              <p:prevCondLst>
+                <p:cond evt="onPrev" delay="0">
+                  <p:tgtEl>
+                    <p:sldTgt/>
+                  </p:tgtEl>
+                </p:cond>
+              </p:prevCondLst>
+              <p:nextCondLst>
+                <p:cond evt="onNext" delay="0">
+                  <p:tgtEl>
+                    <p:sldTgt/>
+                  </p:tgtEl>
+                </p:cond>
+              </p:nextCondLst>
+            </p:seq>
+          </p:childTnLst>
+        </p:cTn>
+      </p:par>
+    </p:tnLst>
+    <p:bldLst>
+      <p:bldP spid="14" grpId="0" animBg="1"/>
+      <p:bldP spid="15" grpId="0" animBg="1"/>
+    </p:bldLst>
+  </p:timing>
+</p:sld>
+</file>
+
+<file path=ppt/slides/slide12.xml><?xml version="1.0" encoding="utf-8"?>
+<p:sld xmlns:a="http://schemas.openxmlformats.org/drawingml/2006/main" xmlns:r="http://schemas.openxmlformats.org/officeDocument/2006/relationships" xmlns:p="http://schemas.openxmlformats.org/presentationml/2006/main">
+  <p:cSld>
+    <p:spTree>
+      <p:nvGrpSpPr>
+        <p:cNvPr id="1" name=""/>
+        <p:cNvGrpSpPr/>
+        <p:nvPr/>
+      </p:nvGrpSpPr>
+      <p:grpSpPr>
+        <a:xfrm>
+          <a:off x="0" y="0"/>
+          <a:ext cx="0" cy="0"/>
+          <a:chOff x="0" y="0"/>
+          <a:chExt cx="0" cy="0"/>
+        </a:xfrm>
+      </p:grpSpPr>
       <p:pic>
         <p:nvPicPr>
           <p:cNvPr id="9" name="Picture 8">
@@ -22096,7 +22584,7 @@
 </p:sld>
 </file>
 
-<file path=ppt/slides/slide12.xml><?xml version="1.0" encoding="utf-8"?>
+<file path=ppt/slides/slide13.xml><?xml version="1.0" encoding="utf-8"?>
 <p:sld xmlns:a="http://schemas.openxmlformats.org/drawingml/2006/main" xmlns:r="http://schemas.openxmlformats.org/officeDocument/2006/relationships" xmlns:p="http://schemas.openxmlformats.org/presentationml/2006/main">
   <p:cSld>
     <p:spTree>
@@ -22352,7 +22840,7 @@
 </p:sld>
 </file>
 
-<file path=ppt/slides/slide13.xml><?xml version="1.0" encoding="utf-8"?>
+<file path=ppt/slides/slide14.xml><?xml version="1.0" encoding="utf-8"?>
 <p:sld xmlns:a="http://schemas.openxmlformats.org/drawingml/2006/main" xmlns:r="http://schemas.openxmlformats.org/officeDocument/2006/relationships" xmlns:p="http://schemas.openxmlformats.org/presentationml/2006/main">
   <p:cSld>
     <p:spTree>
@@ -22608,7 +23096,7 @@
 </p:sld>
 </file>
 
-<file path=ppt/slides/slide14.xml><?xml version="1.0" encoding="utf-8"?>
+<file path=ppt/slides/slide15.xml><?xml version="1.0" encoding="utf-8"?>
 <p:sld xmlns:a="http://schemas.openxmlformats.org/drawingml/2006/main" xmlns:r="http://schemas.openxmlformats.org/officeDocument/2006/relationships" xmlns:p="http://schemas.openxmlformats.org/presentationml/2006/main">
   <p:cSld>
     <p:spTree>
@@ -23143,7 +23631,7 @@
 </p:sld>
 </file>
 
-<file path=ppt/slides/slide15.xml><?xml version="1.0" encoding="utf-8"?>
+<file path=ppt/slides/slide16.xml><?xml version="1.0" encoding="utf-8"?>
 <p:sld xmlns:a="http://schemas.openxmlformats.org/drawingml/2006/main" xmlns:r="http://schemas.openxmlformats.org/officeDocument/2006/relationships" xmlns:p="http://schemas.openxmlformats.org/presentationml/2006/main">
   <p:cSld>
     <p:spTree>
@@ -23391,7 +23879,7 @@
                     <a:schemeClr val="bg1"/>
                   </a:solidFill>
                 </a:rPr>
-                <a:t>EADD &gt; Discovery</a:t>
+                <a:t>EADD &gt; Discovery &gt; Example</a:t>
               </a:r>
             </a:p>
           </p:txBody>
@@ -23886,7 +24374,7 @@
 </p:sld>
 </file>
 
-<file path=ppt/slides/slide16.xml><?xml version="1.0" encoding="utf-8"?>
+<file path=ppt/slides/slide17.xml><?xml version="1.0" encoding="utf-8"?>
 <p:sld xmlns:a="http://schemas.openxmlformats.org/drawingml/2006/main" xmlns:r="http://schemas.openxmlformats.org/officeDocument/2006/relationships" xmlns:p="http://schemas.openxmlformats.org/presentationml/2006/main">
   <p:cSld>
     <p:spTree>
@@ -24275,7 +24763,7 @@
 </p:sld>
 </file>
 
-<file path=ppt/slides/slide17.xml><?xml version="1.0" encoding="utf-8"?>
+<file path=ppt/slides/slide18.xml><?xml version="1.0" encoding="utf-8"?>
 <p:sld xmlns:a="http://schemas.openxmlformats.org/drawingml/2006/main" xmlns:r="http://schemas.openxmlformats.org/officeDocument/2006/relationships" xmlns:p="http://schemas.openxmlformats.org/presentationml/2006/main">
   <p:cSld>
     <p:spTree>
@@ -24542,7 +25030,7 @@
 </p:sld>
 </file>
 
-<file path=ppt/slides/slide18.xml><?xml version="1.0" encoding="utf-8"?>
+<file path=ppt/slides/slide19.xml><?xml version="1.0" encoding="utf-8"?>
 <p:sld xmlns:a="http://schemas.openxmlformats.org/drawingml/2006/main" xmlns:r="http://schemas.openxmlformats.org/officeDocument/2006/relationships" xmlns:p="http://schemas.openxmlformats.org/presentationml/2006/main">
   <p:cSld>
     <p:spTree>
@@ -24789,262 +25277,6 @@
     <p:extLst>
       <p:ext uri="{BB962C8B-B14F-4D97-AF65-F5344CB8AC3E}">
         <p14:creationId xmlns:p14="http://schemas.microsoft.com/office/powerpoint/2010/main" val="225863058"/>
-      </p:ext>
-    </p:extLst>
-  </p:cSld>
-  <p:clrMapOvr>
-    <a:masterClrMapping/>
-  </p:clrMapOvr>
-</p:sld>
-</file>
-
-<file path=ppt/slides/slide19.xml><?xml version="1.0" encoding="utf-8"?>
-<p:sld xmlns:a="http://schemas.openxmlformats.org/drawingml/2006/main" xmlns:r="http://schemas.openxmlformats.org/officeDocument/2006/relationships" xmlns:p="http://schemas.openxmlformats.org/presentationml/2006/main">
-  <p:cSld>
-    <p:spTree>
-      <p:nvGrpSpPr>
-        <p:cNvPr id="1" name=""/>
-        <p:cNvGrpSpPr/>
-        <p:nvPr/>
-      </p:nvGrpSpPr>
-      <p:grpSpPr>
-        <a:xfrm>
-          <a:off x="0" y="0"/>
-          <a:ext cx="0" cy="0"/>
-          <a:chOff x="0" y="0"/>
-          <a:chExt cx="0" cy="0"/>
-        </a:xfrm>
-      </p:grpSpPr>
-      <p:pic>
-        <p:nvPicPr>
-          <p:cNvPr id="9" name="Picture 8">
-            <a:extLst>
-              <a:ext uri="{FF2B5EF4-FFF2-40B4-BE49-F238E27FC236}">
-                <a16:creationId xmlns:a16="http://schemas.microsoft.com/office/drawing/2014/main" id="{47FF90BC-4EA9-4433-8469-620BF496C336}"/>
-              </a:ext>
-            </a:extLst>
-          </p:cNvPr>
-          <p:cNvPicPr>
-            <a:picLocks noChangeAspect="1"/>
-          </p:cNvPicPr>
-          <p:nvPr/>
-        </p:nvPicPr>
-        <p:blipFill rotWithShape="1">
-          <a:blip r:embed="rId2">
-            <a:extLst>
-              <a:ext uri="{28A0092B-C50C-407E-A947-70E740481C1C}">
-                <a14:useLocalDpi xmlns:a14="http://schemas.microsoft.com/office/drawing/2010/main" val="0"/>
-              </a:ext>
-            </a:extLst>
-          </a:blip>
-          <a:srcRect r="62500"/>
-          <a:stretch/>
-        </p:blipFill>
-        <p:spPr>
-          <a:xfrm>
-            <a:off x="172497" y="-110435"/>
-            <a:ext cx="914400" cy="1251712"/>
-          </a:xfrm>
-          <a:prstGeom prst="rect">
-            <a:avLst/>
-          </a:prstGeom>
-        </p:spPr>
-      </p:pic>
-      <p:grpSp>
-        <p:nvGrpSpPr>
-          <p:cNvPr id="11" name="Group 10">
-            <a:extLst>
-              <a:ext uri="{FF2B5EF4-FFF2-40B4-BE49-F238E27FC236}">
-                <a16:creationId xmlns:a16="http://schemas.microsoft.com/office/drawing/2014/main" id="{DD079491-4CFE-4DD7-B6D2-C8936BCC7016}"/>
-              </a:ext>
-            </a:extLst>
-          </p:cNvPr>
-          <p:cNvGrpSpPr/>
-          <p:nvPr/>
-        </p:nvGrpSpPr>
-        <p:grpSpPr>
-          <a:xfrm>
-            <a:off x="2" y="2"/>
-            <a:ext cx="12191999" cy="948335"/>
-            <a:chOff x="0" y="0"/>
-            <a:chExt cx="12192000" cy="948335"/>
-          </a:xfrm>
-          <a:solidFill>
-            <a:schemeClr val="accent1"/>
-          </a:solidFill>
-        </p:grpSpPr>
-        <p:sp>
-          <p:nvSpPr>
-            <p:cNvPr id="12" name="Rectangle 11">
-              <a:extLst>
-                <a:ext uri="{FF2B5EF4-FFF2-40B4-BE49-F238E27FC236}">
-                  <a16:creationId xmlns:a16="http://schemas.microsoft.com/office/drawing/2014/main" id="{38F50DF5-3E15-4160-BD8A-2C5CC28B5365}"/>
-                </a:ext>
-              </a:extLst>
-            </p:cNvPr>
-            <p:cNvSpPr/>
-            <p:nvPr/>
-          </p:nvSpPr>
-          <p:spPr>
-            <a:xfrm>
-              <a:off x="0" y="0"/>
-              <a:ext cx="12192000" cy="948335"/>
-            </a:xfrm>
-            <a:prstGeom prst="rect">
-              <a:avLst/>
-            </a:prstGeom>
-            <a:grpFill/>
-            <a:ln>
-              <a:noFill/>
-            </a:ln>
-          </p:spPr>
-          <p:style>
-            <a:lnRef idx="2">
-              <a:schemeClr val="accent1">
-                <a:shade val="50000"/>
-              </a:schemeClr>
-            </a:lnRef>
-            <a:fillRef idx="1">
-              <a:schemeClr val="accent1"/>
-            </a:fillRef>
-            <a:effectRef idx="0">
-              <a:schemeClr val="accent1"/>
-            </a:effectRef>
-            <a:fontRef idx="minor">
-              <a:schemeClr val="lt1"/>
-            </a:fontRef>
-          </p:style>
-          <p:txBody>
-            <a:bodyPr rtlCol="0" anchor="ctr"/>
-            <a:lstStyle/>
-            <a:p>
-              <a:pPr algn="ctr"/>
-              <a:endParaRPr lang="en-US" sz="1225" dirty="0"/>
-            </a:p>
-          </p:txBody>
-        </p:sp>
-        <p:sp>
-          <p:nvSpPr>
-            <p:cNvPr id="14" name="TextBox 13">
-              <a:extLst>
-                <a:ext uri="{FF2B5EF4-FFF2-40B4-BE49-F238E27FC236}">
-                  <a16:creationId xmlns:a16="http://schemas.microsoft.com/office/drawing/2014/main" id="{90E6E9D6-2F02-4978-BE13-CD734CC746F0}"/>
-                </a:ext>
-              </a:extLst>
-            </p:cNvPr>
-            <p:cNvSpPr txBox="1"/>
-            <p:nvPr/>
-          </p:nvSpPr>
-          <p:spPr>
-            <a:xfrm>
-              <a:off x="10972800" y="289501"/>
-              <a:ext cx="900953" cy="280846"/>
-            </a:xfrm>
-            <a:prstGeom prst="rect">
-              <a:avLst/>
-            </a:prstGeom>
-            <a:grpFill/>
-            <a:ln>
-              <a:noFill/>
-            </a:ln>
-          </p:spPr>
-          <p:txBody>
-            <a:bodyPr wrap="square" rtlCol="0">
-              <a:spAutoFit/>
-            </a:bodyPr>
-            <a:lstStyle/>
-            <a:p>
-              <a:endParaRPr lang="en-US" sz="1225" dirty="0">
-                <a:solidFill>
-                  <a:schemeClr val="bg1"/>
-                </a:solidFill>
-              </a:endParaRPr>
-            </a:p>
-          </p:txBody>
-        </p:sp>
-        <p:sp>
-          <p:nvSpPr>
-            <p:cNvPr id="15" name="TextBox 14">
-              <a:extLst>
-                <a:ext uri="{FF2B5EF4-FFF2-40B4-BE49-F238E27FC236}">
-                  <a16:creationId xmlns:a16="http://schemas.microsoft.com/office/drawing/2014/main" id="{8075E77A-7111-423B-AE3D-B894A2F5C8FD}"/>
-                </a:ext>
-              </a:extLst>
-            </p:cNvPr>
-            <p:cNvSpPr txBox="1"/>
-            <p:nvPr/>
-          </p:nvSpPr>
-          <p:spPr>
-            <a:xfrm>
-              <a:off x="501407" y="315365"/>
-              <a:ext cx="9906617" cy="400110"/>
-            </a:xfrm>
-            <a:prstGeom prst="rect">
-              <a:avLst/>
-            </a:prstGeom>
-            <a:grpFill/>
-            <a:ln>
-              <a:noFill/>
-            </a:ln>
-          </p:spPr>
-          <p:txBody>
-            <a:bodyPr wrap="square" rtlCol="0">
-              <a:spAutoFit/>
-            </a:bodyPr>
-            <a:lstStyle/>
-            <a:p>
-              <a:r>
-                <a:rPr lang="en-US" sz="2000" dirty="0">
-                  <a:solidFill>
-                    <a:schemeClr val="bg1"/>
-                  </a:solidFill>
-                </a:rPr>
-                <a:t>EADD &gt; Discovery &gt; Q/A</a:t>
-              </a:r>
-            </a:p>
-          </p:txBody>
-        </p:sp>
-      </p:grpSp>
-      <p:pic>
-        <p:nvPicPr>
-          <p:cNvPr id="8" name="Picture 7">
-            <a:extLst>
-              <a:ext uri="{FF2B5EF4-FFF2-40B4-BE49-F238E27FC236}">
-                <a16:creationId xmlns:a16="http://schemas.microsoft.com/office/drawing/2014/main" id="{7A780306-ED7E-4C75-B625-296A6B8880E9}"/>
-              </a:ext>
-            </a:extLst>
-          </p:cNvPr>
-          <p:cNvPicPr>
-            <a:picLocks noChangeAspect="1"/>
-          </p:cNvPicPr>
-          <p:nvPr/>
-        </p:nvPicPr>
-        <p:blipFill>
-          <a:blip r:embed="rId3">
-            <a:extLst>
-              <a:ext uri="{28A0092B-C50C-407E-A947-70E740481C1C}">
-                <a14:useLocalDpi xmlns:a14="http://schemas.microsoft.com/office/drawing/2010/main" val="0"/>
-              </a:ext>
-            </a:extLst>
-          </a:blip>
-          <a:stretch>
-            <a:fillRect/>
-          </a:stretch>
-        </p:blipFill>
-        <p:spPr>
-          <a:xfrm>
-            <a:off x="4558727" y="2268071"/>
-            <a:ext cx="3074547" cy="3074547"/>
-          </a:xfrm>
-          <a:prstGeom prst="rect">
-            <a:avLst/>
-          </a:prstGeom>
-        </p:spPr>
-      </p:pic>
-    </p:spTree>
-    <p:extLst>
-      <p:ext uri="{BB962C8B-B14F-4D97-AF65-F5344CB8AC3E}">
-        <p14:creationId xmlns:p14="http://schemas.microsoft.com/office/powerpoint/2010/main" val="909333021"/>
       </p:ext>
     </p:extLst>
   </p:cSld>
@@ -25479,6 +25711,262 @@
           <p:nvPr/>
         </p:nvPicPr>
         <p:blipFill rotWithShape="1">
+          <a:blip r:embed="rId2">
+            <a:extLst>
+              <a:ext uri="{28A0092B-C50C-407E-A947-70E740481C1C}">
+                <a14:useLocalDpi xmlns:a14="http://schemas.microsoft.com/office/drawing/2010/main" val="0"/>
+              </a:ext>
+            </a:extLst>
+          </a:blip>
+          <a:srcRect r="62500"/>
+          <a:stretch/>
+        </p:blipFill>
+        <p:spPr>
+          <a:xfrm>
+            <a:off x="172497" y="-110435"/>
+            <a:ext cx="914400" cy="1251712"/>
+          </a:xfrm>
+          <a:prstGeom prst="rect">
+            <a:avLst/>
+          </a:prstGeom>
+        </p:spPr>
+      </p:pic>
+      <p:grpSp>
+        <p:nvGrpSpPr>
+          <p:cNvPr id="11" name="Group 10">
+            <a:extLst>
+              <a:ext uri="{FF2B5EF4-FFF2-40B4-BE49-F238E27FC236}">
+                <a16:creationId xmlns:a16="http://schemas.microsoft.com/office/drawing/2014/main" id="{DD079491-4CFE-4DD7-B6D2-C8936BCC7016}"/>
+              </a:ext>
+            </a:extLst>
+          </p:cNvPr>
+          <p:cNvGrpSpPr/>
+          <p:nvPr/>
+        </p:nvGrpSpPr>
+        <p:grpSpPr>
+          <a:xfrm>
+            <a:off x="2" y="2"/>
+            <a:ext cx="12191999" cy="948335"/>
+            <a:chOff x="0" y="0"/>
+            <a:chExt cx="12192000" cy="948335"/>
+          </a:xfrm>
+          <a:solidFill>
+            <a:schemeClr val="accent1"/>
+          </a:solidFill>
+        </p:grpSpPr>
+        <p:sp>
+          <p:nvSpPr>
+            <p:cNvPr id="12" name="Rectangle 11">
+              <a:extLst>
+                <a:ext uri="{FF2B5EF4-FFF2-40B4-BE49-F238E27FC236}">
+                  <a16:creationId xmlns:a16="http://schemas.microsoft.com/office/drawing/2014/main" id="{38F50DF5-3E15-4160-BD8A-2C5CC28B5365}"/>
+                </a:ext>
+              </a:extLst>
+            </p:cNvPr>
+            <p:cNvSpPr/>
+            <p:nvPr/>
+          </p:nvSpPr>
+          <p:spPr>
+            <a:xfrm>
+              <a:off x="0" y="0"/>
+              <a:ext cx="12192000" cy="948335"/>
+            </a:xfrm>
+            <a:prstGeom prst="rect">
+              <a:avLst/>
+            </a:prstGeom>
+            <a:grpFill/>
+            <a:ln>
+              <a:noFill/>
+            </a:ln>
+          </p:spPr>
+          <p:style>
+            <a:lnRef idx="2">
+              <a:schemeClr val="accent1">
+                <a:shade val="50000"/>
+              </a:schemeClr>
+            </a:lnRef>
+            <a:fillRef idx="1">
+              <a:schemeClr val="accent1"/>
+            </a:fillRef>
+            <a:effectRef idx="0">
+              <a:schemeClr val="accent1"/>
+            </a:effectRef>
+            <a:fontRef idx="minor">
+              <a:schemeClr val="lt1"/>
+            </a:fontRef>
+          </p:style>
+          <p:txBody>
+            <a:bodyPr rtlCol="0" anchor="ctr"/>
+            <a:lstStyle/>
+            <a:p>
+              <a:pPr algn="ctr"/>
+              <a:endParaRPr lang="en-US" sz="1225" dirty="0"/>
+            </a:p>
+          </p:txBody>
+        </p:sp>
+        <p:sp>
+          <p:nvSpPr>
+            <p:cNvPr id="14" name="TextBox 13">
+              <a:extLst>
+                <a:ext uri="{FF2B5EF4-FFF2-40B4-BE49-F238E27FC236}">
+                  <a16:creationId xmlns:a16="http://schemas.microsoft.com/office/drawing/2014/main" id="{90E6E9D6-2F02-4978-BE13-CD734CC746F0}"/>
+                </a:ext>
+              </a:extLst>
+            </p:cNvPr>
+            <p:cNvSpPr txBox="1"/>
+            <p:nvPr/>
+          </p:nvSpPr>
+          <p:spPr>
+            <a:xfrm>
+              <a:off x="10972800" y="289501"/>
+              <a:ext cx="900953" cy="280846"/>
+            </a:xfrm>
+            <a:prstGeom prst="rect">
+              <a:avLst/>
+            </a:prstGeom>
+            <a:grpFill/>
+            <a:ln>
+              <a:noFill/>
+            </a:ln>
+          </p:spPr>
+          <p:txBody>
+            <a:bodyPr wrap="square" rtlCol="0">
+              <a:spAutoFit/>
+            </a:bodyPr>
+            <a:lstStyle/>
+            <a:p>
+              <a:endParaRPr lang="en-US" sz="1225" dirty="0">
+                <a:solidFill>
+                  <a:schemeClr val="bg1"/>
+                </a:solidFill>
+              </a:endParaRPr>
+            </a:p>
+          </p:txBody>
+        </p:sp>
+        <p:sp>
+          <p:nvSpPr>
+            <p:cNvPr id="15" name="TextBox 14">
+              <a:extLst>
+                <a:ext uri="{FF2B5EF4-FFF2-40B4-BE49-F238E27FC236}">
+                  <a16:creationId xmlns:a16="http://schemas.microsoft.com/office/drawing/2014/main" id="{8075E77A-7111-423B-AE3D-B894A2F5C8FD}"/>
+                </a:ext>
+              </a:extLst>
+            </p:cNvPr>
+            <p:cNvSpPr txBox="1"/>
+            <p:nvPr/>
+          </p:nvSpPr>
+          <p:spPr>
+            <a:xfrm>
+              <a:off x="501407" y="315365"/>
+              <a:ext cx="9906617" cy="400110"/>
+            </a:xfrm>
+            <a:prstGeom prst="rect">
+              <a:avLst/>
+            </a:prstGeom>
+            <a:grpFill/>
+            <a:ln>
+              <a:noFill/>
+            </a:ln>
+          </p:spPr>
+          <p:txBody>
+            <a:bodyPr wrap="square" rtlCol="0">
+              <a:spAutoFit/>
+            </a:bodyPr>
+            <a:lstStyle/>
+            <a:p>
+              <a:r>
+                <a:rPr lang="en-US" sz="2000" dirty="0">
+                  <a:solidFill>
+                    <a:schemeClr val="bg1"/>
+                  </a:solidFill>
+                </a:rPr>
+                <a:t>EADD &gt; Discovery &gt; Q/A</a:t>
+              </a:r>
+            </a:p>
+          </p:txBody>
+        </p:sp>
+      </p:grpSp>
+      <p:pic>
+        <p:nvPicPr>
+          <p:cNvPr id="8" name="Picture 7">
+            <a:extLst>
+              <a:ext uri="{FF2B5EF4-FFF2-40B4-BE49-F238E27FC236}">
+                <a16:creationId xmlns:a16="http://schemas.microsoft.com/office/drawing/2014/main" id="{7A780306-ED7E-4C75-B625-296A6B8880E9}"/>
+              </a:ext>
+            </a:extLst>
+          </p:cNvPr>
+          <p:cNvPicPr>
+            <a:picLocks noChangeAspect="1"/>
+          </p:cNvPicPr>
+          <p:nvPr/>
+        </p:nvPicPr>
+        <p:blipFill>
+          <a:blip r:embed="rId3">
+            <a:extLst>
+              <a:ext uri="{28A0092B-C50C-407E-A947-70E740481C1C}">
+                <a14:useLocalDpi xmlns:a14="http://schemas.microsoft.com/office/drawing/2010/main" val="0"/>
+              </a:ext>
+            </a:extLst>
+          </a:blip>
+          <a:stretch>
+            <a:fillRect/>
+          </a:stretch>
+        </p:blipFill>
+        <p:spPr>
+          <a:xfrm>
+            <a:off x="4558727" y="2268071"/>
+            <a:ext cx="3074547" cy="3074547"/>
+          </a:xfrm>
+          <a:prstGeom prst="rect">
+            <a:avLst/>
+          </a:prstGeom>
+        </p:spPr>
+      </p:pic>
+    </p:spTree>
+    <p:extLst>
+      <p:ext uri="{BB962C8B-B14F-4D97-AF65-F5344CB8AC3E}">
+        <p14:creationId xmlns:p14="http://schemas.microsoft.com/office/powerpoint/2010/main" val="909333021"/>
+      </p:ext>
+    </p:extLst>
+  </p:cSld>
+  <p:clrMapOvr>
+    <a:masterClrMapping/>
+  </p:clrMapOvr>
+</p:sld>
+</file>
+
+<file path=ppt/slides/slide21.xml><?xml version="1.0" encoding="utf-8"?>
+<p:sld xmlns:a="http://schemas.openxmlformats.org/drawingml/2006/main" xmlns:r="http://schemas.openxmlformats.org/officeDocument/2006/relationships" xmlns:p="http://schemas.openxmlformats.org/presentationml/2006/main">
+  <p:cSld>
+    <p:spTree>
+      <p:nvGrpSpPr>
+        <p:cNvPr id="1" name=""/>
+        <p:cNvGrpSpPr/>
+        <p:nvPr/>
+      </p:nvGrpSpPr>
+      <p:grpSpPr>
+        <a:xfrm>
+          <a:off x="0" y="0"/>
+          <a:ext cx="0" cy="0"/>
+          <a:chOff x="0" y="0"/>
+          <a:chExt cx="0" cy="0"/>
+        </a:xfrm>
+      </p:grpSpPr>
+      <p:pic>
+        <p:nvPicPr>
+          <p:cNvPr id="9" name="Picture 8">
+            <a:extLst>
+              <a:ext uri="{FF2B5EF4-FFF2-40B4-BE49-F238E27FC236}">
+                <a16:creationId xmlns:a16="http://schemas.microsoft.com/office/drawing/2014/main" id="{47FF90BC-4EA9-4433-8469-620BF496C336}"/>
+              </a:ext>
+            </a:extLst>
+          </p:cNvPr>
+          <p:cNvPicPr>
+            <a:picLocks noChangeAspect="1"/>
+          </p:cNvPicPr>
+          <p:nvPr/>
+        </p:nvPicPr>
+        <p:blipFill rotWithShape="1">
           <a:blip r:embed="rId3">
             <a:extLst>
               <a:ext uri="{28A0092B-C50C-407E-A947-70E740481C1C}">
@@ -25724,7 +26212,7 @@
 </p:sld>
 </file>
 
-<file path=ppt/slides/slide21.xml><?xml version="1.0" encoding="utf-8"?>
+<file path=ppt/slides/slide22.xml><?xml version="1.0" encoding="utf-8"?>
 <p:sld xmlns:a="http://schemas.openxmlformats.org/drawingml/2006/main" xmlns:r="http://schemas.openxmlformats.org/officeDocument/2006/relationships" xmlns:p="http://schemas.openxmlformats.org/presentationml/2006/main">
   <p:cSld>
     <p:spTree>
@@ -26001,7 +26489,7 @@
 </p:sld>
 </file>
 
-<file path=ppt/slides/slide22.xml><?xml version="1.0" encoding="utf-8"?>
+<file path=ppt/slides/slide23.xml><?xml version="1.0" encoding="utf-8"?>
 <p:sld xmlns:a="http://schemas.openxmlformats.org/drawingml/2006/main" xmlns:r="http://schemas.openxmlformats.org/officeDocument/2006/relationships" xmlns:p="http://schemas.openxmlformats.org/presentationml/2006/main">
   <p:cSld>
     <p:spTree>
@@ -26268,7 +26756,7 @@
 </p:sld>
 </file>
 
-<file path=ppt/slides/slide23.xml><?xml version="1.0" encoding="utf-8"?>
+<file path=ppt/slides/slide24.xml><?xml version="1.0" encoding="utf-8"?>
 <p:sld xmlns:a="http://schemas.openxmlformats.org/drawingml/2006/main" xmlns:r="http://schemas.openxmlformats.org/officeDocument/2006/relationships" xmlns:p="http://schemas.openxmlformats.org/presentationml/2006/main">
   <p:cSld>
     <p:spTree>
@@ -26524,7 +27012,7 @@
 </p:sld>
 </file>
 
-<file path=ppt/slides/slide24.xml><?xml version="1.0" encoding="utf-8"?>
+<file path=ppt/slides/slide25.xml><?xml version="1.0" encoding="utf-8"?>
 <p:sld xmlns:a="http://schemas.openxmlformats.org/drawingml/2006/main" xmlns:r="http://schemas.openxmlformats.org/officeDocument/2006/relationships" xmlns:p="http://schemas.openxmlformats.org/presentationml/2006/main">
   <p:cSld>
     <p:spTree>
@@ -26780,7 +27268,7 @@
 </p:sld>
 </file>
 
-<file path=ppt/slides/slide25.xml><?xml version="1.0" encoding="utf-8"?>
+<file path=ppt/slides/slide26.xml><?xml version="1.0" encoding="utf-8"?>
 <p:sld xmlns:a="http://schemas.openxmlformats.org/drawingml/2006/main" xmlns:r="http://schemas.openxmlformats.org/officeDocument/2006/relationships" xmlns:p="http://schemas.openxmlformats.org/presentationml/2006/main">
   <p:cSld>
     <p:spTree>
@@ -27034,7 +27522,7 @@
 </p:sld>
 </file>
 
-<file path=ppt/slides/slide26.xml><?xml version="1.0" encoding="utf-8"?>
+<file path=ppt/slides/slide27.xml><?xml version="1.0" encoding="utf-8"?>
 <p:sld xmlns:a="http://schemas.openxmlformats.org/drawingml/2006/main" xmlns:r="http://schemas.openxmlformats.org/officeDocument/2006/relationships" xmlns:p="http://schemas.openxmlformats.org/presentationml/2006/main">
   <p:cSld>
     <p:spTree>
@@ -27274,12 +27762,12 @@
               <a:buChar char="•"/>
             </a:pPr>
             <a:r>
-              <a:rPr lang="da-DK" sz="2100" dirty="0"/>
+              <a:rPr lang="da-DK" sz="2100" dirty="0">
+                <a:hlinkClick r:id="rId4"/>
+              </a:rPr>
               <a:t>https://docs.microsoft.com/en-us/dotnet/architecture/microservices/architect-microservice-container-applications/asynchronous-message-based-communication</a:t>
             </a:r>
-            <a:endParaRPr lang="da-DK" sz="2100" dirty="0">
-              <a:hlinkClick r:id="rId4"/>
-            </a:endParaRPr>
+            <a:endParaRPr lang="da-DK" sz="2100" dirty="0"/>
           </a:p>
           <a:p>
             <a:pPr marL="342900" indent="-342900">
@@ -27287,7 +27775,7 @@
               <a:buChar char="•"/>
             </a:pPr>
             <a:endParaRPr lang="da-DK" sz="2100" dirty="0">
-              <a:hlinkClick r:id="rId4"/>
+              <a:hlinkClick r:id="rId5"/>
             </a:endParaRPr>
           </a:p>
           <a:p>
@@ -27297,18 +27785,19 @@
             </a:pPr>
             <a:r>
               <a:rPr lang="da-DK" sz="2100" dirty="0">
-                <a:hlinkClick r:id="rId4"/>
+                <a:hlinkClick r:id="rId5"/>
               </a:rPr>
-              <a:t>https://www.tibco.com/reference-center/what-is-event-driven-architecture</a:t>
-            </a:r>
-            <a:endParaRPr lang="da-DK" sz="2100" dirty="0"/>
+              <a:t>https://github.com/wso2/reference-architecture/blob/master/event-driven-api-architecture.md</a:t>
+            </a:r>
           </a:p>
           <a:p>
             <a:pPr marL="342900" indent="-342900">
               <a:buFont typeface="Arial" panose="020B0604020202020204" pitchFamily="34" charset="0"/>
               <a:buChar char="•"/>
             </a:pPr>
-            <a:endParaRPr lang="da-DK" sz="2100" dirty="0"/>
+            <a:endParaRPr lang="da-DK" sz="2100" dirty="0">
+              <a:hlinkClick r:id="rId5"/>
+            </a:endParaRPr>
           </a:p>
           <a:p>
             <a:pPr marL="342900" indent="-342900">
@@ -27319,7 +27808,7 @@
               <a:rPr lang="da-DK" sz="2100" dirty="0">
                 <a:hlinkClick r:id="rId5"/>
               </a:rPr>
-              <a:t>https://medium.com/event-driven-utopia/event-driven-apis-understanding-the-principles-c3208308d4b2</a:t>
+              <a:t>https://www.tibco.com/reference-center/what-is-event-driven-architecture</a:t>
             </a:r>
             <a:endParaRPr lang="da-DK" sz="2100" dirty="0"/>
           </a:p>
@@ -27529,14 +28018,113 @@
           </a:bodyPr>
           <a:lstStyle/>
           <a:p>
+            <a:pPr marL="342900" indent="-342900">
+              <a:buFont typeface="Arial" panose="020B0604020202020204" pitchFamily="34" charset="0"/>
+              <a:buChar char="•"/>
+            </a:pPr>
             <a:r>
               <a:rPr lang="en-US" sz="2100" dirty="0"/>
-              <a:t>TODO – What is the purpose of Event APIs?</a:t>
-            </a:r>
-            <a:endParaRPr lang="da-DK" sz="2100" dirty="0" err="1"/>
+              <a:t>A mechanism that allows consumers to subscribe to events of their interest.</a:t>
+            </a:r>
+          </a:p>
+          <a:p>
+            <a:pPr marL="342900" indent="-342900">
+              <a:buFont typeface="Arial" panose="020B0604020202020204" pitchFamily="34" charset="0"/>
+              <a:buChar char="•"/>
+            </a:pPr>
+            <a:endParaRPr lang="en-US" sz="2100" dirty="0"/>
+          </a:p>
+          <a:p>
+            <a:pPr marL="342900" indent="-342900">
+              <a:buFont typeface="Arial" panose="020B0604020202020204" pitchFamily="34" charset="0"/>
+              <a:buChar char="•"/>
+            </a:pPr>
+            <a:r>
+              <a:rPr lang="en-US" sz="2100" dirty="0"/>
+              <a:t>A mechanism that can deliver events to consumers in an asynchronous manner.</a:t>
+            </a:r>
+          </a:p>
+          <a:p>
+            <a:pPr marL="342900" indent="-342900">
+              <a:buFont typeface="Arial" panose="020B0604020202020204" pitchFamily="34" charset="0"/>
+              <a:buChar char="•"/>
+            </a:pPr>
+            <a:endParaRPr lang="en-US" sz="2100" dirty="0"/>
+          </a:p>
+          <a:p>
+            <a:pPr marL="342900" indent="-342900">
+              <a:buFont typeface="Arial" panose="020B0604020202020204" pitchFamily="34" charset="0"/>
+              <a:buChar char="•"/>
+            </a:pPr>
+            <a:r>
+              <a:rPr lang="da-DK" sz="2100" dirty="0"/>
+              <a:t>A mechanism that can provide discovery meta-data about its public interface in a standardized manner (e.g. AsyncAPI).</a:t>
+            </a:r>
+          </a:p>
+          <a:p>
+            <a:pPr marL="342900" indent="-342900">
+              <a:buFont typeface="Arial" panose="020B0604020202020204" pitchFamily="34" charset="0"/>
+              <a:buChar char="•"/>
+            </a:pPr>
+            <a:endParaRPr lang="da-DK" sz="2100" dirty="0"/>
+          </a:p>
+          <a:p>
+            <a:pPr marL="342900" indent="-342900">
+              <a:buFont typeface="Arial" panose="020B0604020202020204" pitchFamily="34" charset="0"/>
+              <a:buChar char="•"/>
+            </a:pPr>
+            <a:r>
+              <a:rPr lang="da-DK" sz="2100" dirty="0"/>
+              <a:t>A mechanism that can support multiple protocols like XHR, SSE, WebSockets &amp; gRPC.</a:t>
+            </a:r>
           </a:p>
         </p:txBody>
       </p:sp>
+      <p:pic>
+        <p:nvPicPr>
+          <p:cNvPr id="2052" name="Picture 4" descr="Event-driven vs Rest APIs interactions | APIfriends">
+            <a:extLst>
+              <a:ext uri="{FF2B5EF4-FFF2-40B4-BE49-F238E27FC236}">
+                <a16:creationId xmlns:a16="http://schemas.microsoft.com/office/drawing/2014/main" id="{F792E408-4AA7-49F1-9A40-B5784BAE1946}"/>
+              </a:ext>
+            </a:extLst>
+          </p:cNvPr>
+          <p:cNvPicPr>
+            <a:picLocks noChangeAspect="1" noChangeArrowheads="1"/>
+          </p:cNvPicPr>
+          <p:nvPr/>
+        </p:nvPicPr>
+        <p:blipFill rotWithShape="1">
+          <a:blip r:embed="rId2">
+            <a:extLst>
+              <a:ext uri="{28A0092B-C50C-407E-A947-70E740481C1C}">
+                <a14:useLocalDpi xmlns:a14="http://schemas.microsoft.com/office/drawing/2010/main" val="0"/>
+              </a:ext>
+            </a:extLst>
+          </a:blip>
+          <a:srcRect l="18102" r="15387"/>
+          <a:stretch/>
+        </p:blipFill>
+        <p:spPr bwMode="auto">
+          <a:xfrm>
+            <a:off x="7269480" y="1707070"/>
+            <a:ext cx="4782312" cy="4044506"/>
+          </a:xfrm>
+          <a:prstGeom prst="rect">
+            <a:avLst/>
+          </a:prstGeom>
+          <a:noFill/>
+          <a:extLst>
+            <a:ext uri="{909E8E84-426E-40DD-AFC4-6F175D3DCCD1}">
+              <a14:hiddenFill xmlns:a14="http://schemas.microsoft.com/office/drawing/2010/main">
+                <a:solidFill>
+                  <a:srgbClr val="FFFFFF"/>
+                </a:solidFill>
+              </a14:hiddenFill>
+            </a:ext>
+          </a:extLst>
+        </p:spPr>
+      </p:pic>
     </p:spTree>
     <p:extLst>
       <p:ext uri="{BB962C8B-B14F-4D97-AF65-F5344CB8AC3E}">
@@ -27547,6 +28135,183 @@
   <p:clrMapOvr>
     <a:masterClrMapping/>
   </p:clrMapOvr>
+  <p:timing>
+    <p:tnLst>
+      <p:par>
+        <p:cTn id="1" dur="indefinite" restart="never" nodeType="tmRoot">
+          <p:childTnLst>
+            <p:seq concurrent="1" nextAc="seek">
+              <p:cTn id="2" dur="indefinite" nodeType="mainSeq">
+                <p:childTnLst>
+                  <p:par>
+                    <p:cTn id="3" fill="hold">
+                      <p:stCondLst>
+                        <p:cond delay="indefinite"/>
+                      </p:stCondLst>
+                      <p:childTnLst>
+                        <p:par>
+                          <p:cTn id="4" fill="hold">
+                            <p:stCondLst>
+                              <p:cond delay="0"/>
+                            </p:stCondLst>
+                            <p:childTnLst>
+                              <p:par>
+                                <p:cTn id="5" presetID="1" presetClass="entr" presetSubtype="0" fill="hold" nodeType="clickEffect">
+                                  <p:stCondLst>
+                                    <p:cond delay="0"/>
+                                  </p:stCondLst>
+                                  <p:childTnLst>
+                                    <p:set>
+                                      <p:cBhvr>
+                                        <p:cTn id="6" dur="1" fill="hold">
+                                          <p:stCondLst>
+                                            <p:cond delay="0"/>
+                                          </p:stCondLst>
+                                        </p:cTn>
+                                        <p:tgtEl>
+                                          <p:spTgt spid="7">
+                                            <p:txEl>
+                                              <p:pRg st="2" end="2"/>
+                                            </p:txEl>
+                                          </p:spTgt>
+                                        </p:tgtEl>
+                                        <p:attrNameLst>
+                                          <p:attrName>style.visibility</p:attrName>
+                                        </p:attrNameLst>
+                                      </p:cBhvr>
+                                      <p:to>
+                                        <p:strVal val="visible"/>
+                                      </p:to>
+                                    </p:set>
+                                  </p:childTnLst>
+                                </p:cTn>
+                              </p:par>
+                            </p:childTnLst>
+                          </p:cTn>
+                        </p:par>
+                      </p:childTnLst>
+                    </p:cTn>
+                  </p:par>
+                  <p:par>
+                    <p:cTn id="7" fill="hold">
+                      <p:stCondLst>
+                        <p:cond delay="indefinite"/>
+                      </p:stCondLst>
+                      <p:childTnLst>
+                        <p:par>
+                          <p:cTn id="8" fill="hold">
+                            <p:stCondLst>
+                              <p:cond delay="0"/>
+                            </p:stCondLst>
+                            <p:childTnLst>
+                              <p:par>
+                                <p:cTn id="9" presetID="1" presetClass="entr" presetSubtype="0" fill="hold" nodeType="clickEffect">
+                                  <p:stCondLst>
+                                    <p:cond delay="0"/>
+                                  </p:stCondLst>
+                                  <p:childTnLst>
+                                    <p:set>
+                                      <p:cBhvr>
+                                        <p:cTn id="10" dur="1" fill="hold">
+                                          <p:stCondLst>
+                                            <p:cond delay="0"/>
+                                          </p:stCondLst>
+                                        </p:cTn>
+                                        <p:tgtEl>
+                                          <p:spTgt spid="7">
+                                            <p:txEl>
+                                              <p:pRg st="4" end="4"/>
+                                            </p:txEl>
+                                          </p:spTgt>
+                                        </p:tgtEl>
+                                        <p:attrNameLst>
+                                          <p:attrName>style.visibility</p:attrName>
+                                        </p:attrNameLst>
+                                      </p:cBhvr>
+                                      <p:to>
+                                        <p:strVal val="visible"/>
+                                      </p:to>
+                                    </p:set>
+                                  </p:childTnLst>
+                                </p:cTn>
+                              </p:par>
+                            </p:childTnLst>
+                          </p:cTn>
+                        </p:par>
+                      </p:childTnLst>
+                    </p:cTn>
+                  </p:par>
+                  <p:par>
+                    <p:cTn id="11" fill="hold">
+                      <p:stCondLst>
+                        <p:cond delay="indefinite"/>
+                      </p:stCondLst>
+                      <p:childTnLst>
+                        <p:par>
+                          <p:cTn id="12" fill="hold">
+                            <p:stCondLst>
+                              <p:cond delay="0"/>
+                            </p:stCondLst>
+                            <p:childTnLst>
+                              <p:par>
+                                <p:cTn id="13" presetID="1" presetClass="entr" presetSubtype="0" fill="hold" nodeType="clickEffect">
+                                  <p:stCondLst>
+                                    <p:cond delay="0"/>
+                                  </p:stCondLst>
+                                  <p:childTnLst>
+                                    <p:set>
+                                      <p:cBhvr>
+                                        <p:cTn id="14" dur="1" fill="hold">
+                                          <p:stCondLst>
+                                            <p:cond delay="0"/>
+                                          </p:stCondLst>
+                                        </p:cTn>
+                                        <p:tgtEl>
+                                          <p:spTgt spid="7">
+                                            <p:txEl>
+                                              <p:pRg st="6" end="6"/>
+                                            </p:txEl>
+                                          </p:spTgt>
+                                        </p:tgtEl>
+                                        <p:attrNameLst>
+                                          <p:attrName>style.visibility</p:attrName>
+                                        </p:attrNameLst>
+                                      </p:cBhvr>
+                                      <p:to>
+                                        <p:strVal val="visible"/>
+                                      </p:to>
+                                    </p:set>
+                                  </p:childTnLst>
+                                </p:cTn>
+                              </p:par>
+                            </p:childTnLst>
+                          </p:cTn>
+                        </p:par>
+                      </p:childTnLst>
+                    </p:cTn>
+                  </p:par>
+                </p:childTnLst>
+              </p:cTn>
+              <p:prevCondLst>
+                <p:cond evt="onPrev" delay="0">
+                  <p:tgtEl>
+                    <p:sldTgt/>
+                  </p:tgtEl>
+                </p:cond>
+              </p:prevCondLst>
+              <p:nextCondLst>
+                <p:cond evt="onNext" delay="0">
+                  <p:tgtEl>
+                    <p:sldTgt/>
+                  </p:tgtEl>
+                </p:cond>
+              </p:nextCondLst>
+            </p:seq>
+          </p:childTnLst>
+        </p:cTn>
+      </p:par>
+    </p:tnLst>
+  </p:timing>
 </p:sld>
 </file>
 
@@ -27897,8 +28662,8 @@
           </a:xfrm>
           <a:prstGeom prst="cloudCallout">
             <a:avLst>
-              <a:gd name="adj1" fmla="val -39017"/>
-              <a:gd name="adj2" fmla="val 61744"/>
+              <a:gd name="adj1" fmla="val -9030"/>
+              <a:gd name="adj2" fmla="val 104323"/>
             </a:avLst>
           </a:prstGeom>
           <a:solidFill>
@@ -27962,8 +28727,8 @@
           </a:xfrm>
           <a:prstGeom prst="cloudCallout">
             <a:avLst>
-              <a:gd name="adj1" fmla="val -12889"/>
-              <a:gd name="adj2" fmla="val -252085"/>
+              <a:gd name="adj1" fmla="val -4729"/>
+              <a:gd name="adj2" fmla="val -114291"/>
             </a:avLst>
           </a:prstGeom>
           <a:solidFill>
@@ -28023,12 +28788,12 @@
         <p:spPr>
           <a:xfrm>
             <a:off x="6476247" y="997981"/>
-            <a:ext cx="5214345" cy="948333"/>
+            <a:ext cx="5214345" cy="1132571"/>
           </a:xfrm>
           <a:prstGeom prst="cloudCallout">
             <a:avLst>
-              <a:gd name="adj1" fmla="val -3594"/>
-              <a:gd name="adj2" fmla="val 92079"/>
+              <a:gd name="adj1" fmla="val 19203"/>
+              <a:gd name="adj2" fmla="val 131252"/>
             </a:avLst>
           </a:prstGeom>
           <a:solidFill>
@@ -28068,7 +28833,7 @@
             <a:pPr algn="ctr"/>
             <a:r>
               <a:rPr lang="en-US" sz="1600" dirty="0"/>
-              <a:t>Consumers receives events (messages) from topics (channels)</a:t>
+              <a:t>Consumers listen events (messages) on topics (channels) from producers</a:t>
             </a:r>
           </a:p>
         </p:txBody>
@@ -30658,15 +31423,6 @@
 </file>
 
 <file path=customXml/item1.xml><?xml version="1.0" encoding="utf-8"?>
-<?mso-contentType ?>
-<FormTemplates xmlns="http://schemas.microsoft.com/sharepoint/v3/contenttype/forms">
-  <Display>DocumentLibraryForm</Display>
-  <Edit>DocumentLibraryForm</Edit>
-  <New>DocumentLibraryForm</New>
-</FormTemplates>
-</file>
-
-<file path=customXml/item2.xml><?xml version="1.0" encoding="utf-8"?>
 <ct:contentTypeSchema xmlns:ct="http://schemas.microsoft.com/office/2006/metadata/contentType" xmlns:ma="http://schemas.microsoft.com/office/2006/metadata/properties/metaAttributes" ct:_="" ma:_="" ma:contentTypeName="Dokument" ma:contentTypeID="0x010100F65BD4264CB9094CA7944F610D2D7DCA" ma:contentTypeVersion="7" ma:contentTypeDescription="Opret et nyt dokument." ma:contentTypeScope="" ma:versionID="285eed63ac2e046b8ebe16ddc91dee82">
   <xsd:schema xmlns:xsd="http://www.w3.org/2001/XMLSchema" xmlns:xs="http://www.w3.org/2001/XMLSchema" xmlns:p="http://schemas.microsoft.com/office/2006/metadata/properties" xmlns:ns2="2279a1a0-7112-41f8-b496-d9a5c3576fb0" xmlns:ns3="95c0be1d-4093-4789-923d-5b0c8c8304dc" targetNamespace="http://schemas.microsoft.com/office/2006/metadata/properties" ma:root="true" ma:fieldsID="92b7f3ae194bb82c73e460576e55bd12" ns2:_="" ns3:_="">
     <xsd:import namespace="2279a1a0-7112-41f8-b496-d9a5c3576fb0"/>
@@ -30851,6 +31607,15 @@
 </ct:contentTypeSchema>
 </file>
 
+<file path=customXml/item2.xml><?xml version="1.0" encoding="utf-8"?>
+<?mso-contentType ?>
+<FormTemplates xmlns="http://schemas.microsoft.com/sharepoint/v3/contenttype/forms">
+  <Display>DocumentLibraryForm</Display>
+  <Edit>DocumentLibraryForm</Edit>
+  <New>DocumentLibraryForm</New>
+</FormTemplates>
+</file>
+
 <file path=customXml/item3.xml><?xml version="1.0" encoding="utf-8"?>
 <p:properties xmlns:p="http://schemas.microsoft.com/office/2006/metadata/properties" xmlns:xsi="http://www.w3.org/2001/XMLSchema-instance" xmlns:pc="http://schemas.microsoft.com/office/infopath/2007/PartnerControls">
   <documentManagement/>
@@ -30858,14 +31623,6 @@
 </file>
 
 <file path=customXml/itemProps1.xml><?xml version="1.0" encoding="utf-8"?>
-<ds:datastoreItem xmlns:ds="http://schemas.openxmlformats.org/officeDocument/2006/customXml" ds:itemID="{4273EE10-C1B2-449B-9085-39965BA21A56}">
-  <ds:schemaRefs>
-    <ds:schemaRef ds:uri="http://schemas.microsoft.com/sharepoint/v3/contenttype/forms"/>
-  </ds:schemaRefs>
-</ds:datastoreItem>
-</file>
-
-<file path=customXml/itemProps2.xml><?xml version="1.0" encoding="utf-8"?>
 <ds:datastoreItem xmlns:ds="http://schemas.openxmlformats.org/officeDocument/2006/customXml" ds:itemID="{D4EFA56C-2770-467D-8E59-C07C9A9CC313}">
   <ds:schemaRefs>
     <ds:schemaRef ds:uri="http://schemas.microsoft.com/office/2006/metadata/contentType"/>
@@ -30884,6 +31641,14 @@
 </ds:datastoreItem>
 </file>
 
+<file path=customXml/itemProps2.xml><?xml version="1.0" encoding="utf-8"?>
+<ds:datastoreItem xmlns:ds="http://schemas.openxmlformats.org/officeDocument/2006/customXml" ds:itemID="{4273EE10-C1B2-449B-9085-39965BA21A56}">
+  <ds:schemaRefs>
+    <ds:schemaRef ds:uri="http://schemas.microsoft.com/sharepoint/v3/contenttype/forms"/>
+  </ds:schemaRefs>
+</ds:datastoreItem>
+</file>
+
 <file path=customXml/itemProps3.xml><?xml version="1.0" encoding="utf-8"?>
 <ds:datastoreItem xmlns:ds="http://schemas.openxmlformats.org/officeDocument/2006/customXml" ds:itemID="{B61EE2CA-DCC7-45E5-87C8-6789A166AF77}">
   <ds:schemaRefs>

--- a/workshops/event-api-deep-dive/event-api-deep-dive.pptx
+++ b/workshops/event-api-deep-dive/event-api-deep-dive.pptx
@@ -4361,7 +4361,7 @@
             </a:r>
             <a:r>
               <a:rPr lang="en-US" dirty="0" err="1"/>
-              <a:t>Kafkacat</a:t>
+              <a:t>kcat</a:t>
             </a:r>
             <a:r>
               <a:rPr lang="en-US" dirty="0"/>
@@ -4379,7 +4379,7 @@
             </a:r>
             <a:r>
               <a:rPr lang="en-US" dirty="0" err="1"/>
-              <a:t>Websocat</a:t>
+              <a:t>wscat</a:t>
             </a:r>
             <a:r>
               <a:rPr lang="en-US" dirty="0"/>
@@ -26144,7 +26144,7 @@
                     <a:schemeClr val="bg1"/>
                   </a:solidFill>
                 </a:rPr>
-                <a:t>Kafkacat</a:t>
+                <a:t>kcat</a:t>
               </a:r>
               <a:endParaRPr lang="en-US" sz="2000" dirty="0">
                 <a:solidFill>
@@ -26183,22 +26183,135 @@
           </a:bodyPr>
           <a:lstStyle/>
           <a:p>
+            <a:pPr marL="342900" indent="-342900">
+              <a:buFont typeface="Arial" panose="020B0604020202020204" pitchFamily="34" charset="0"/>
+              <a:buChar char="•"/>
+            </a:pPr>
+            <a:r>
+              <a:rPr lang="en-US" sz="2100" dirty="0" err="1"/>
+              <a:t>kcat</a:t>
+            </a:r>
             <a:r>
               <a:rPr lang="en-US" sz="2100" dirty="0"/>
-              <a:t>TODO: What is </a:t>
+              <a:t> is a generic non-JVM producer and consumer for Apache Kafka &gt;=0.8, think of it as a </a:t>
             </a:r>
             <a:r>
               <a:rPr lang="en-US" sz="2100" dirty="0" err="1"/>
-              <a:t>Kafkacat</a:t>
-            </a:r>
-            <a:r>
-              <a:rPr lang="en-US" sz="2100"/>
-              <a:t>?</a:t>
+              <a:t>netcat</a:t>
+            </a:r>
+            <a:r>
+              <a:rPr lang="en-US" sz="2100" dirty="0"/>
+              <a:t> for Kafka.</a:t>
+            </a:r>
+          </a:p>
+          <a:p>
+            <a:pPr marL="342900" indent="-342900">
+              <a:buFont typeface="Arial" panose="020B0604020202020204" pitchFamily="34" charset="0"/>
+              <a:buChar char="•"/>
+            </a:pPr>
+            <a:endParaRPr lang="en-US" sz="2100" dirty="0"/>
+          </a:p>
+          <a:p>
+            <a:pPr marL="342900" indent="-342900">
+              <a:buFont typeface="Arial" panose="020B0604020202020204" pitchFamily="34" charset="0"/>
+              <a:buChar char="•"/>
+            </a:pPr>
+            <a:r>
+              <a:rPr lang="en-US" sz="2100" dirty="0"/>
+              <a:t>In producer mode </a:t>
+            </a:r>
+            <a:r>
+              <a:rPr lang="en-US" sz="2100" dirty="0" err="1"/>
+              <a:t>kcat</a:t>
+            </a:r>
+            <a:r>
+              <a:rPr lang="en-US" sz="2100" dirty="0"/>
+              <a:t> reads messages from stdin and produces them to the provided Kafka cluster, topic and partition.</a:t>
+            </a:r>
+          </a:p>
+          <a:p>
+            <a:pPr marL="342900" indent="-342900">
+              <a:buFont typeface="Arial" panose="020B0604020202020204" pitchFamily="34" charset="0"/>
+              <a:buChar char="•"/>
+            </a:pPr>
+            <a:endParaRPr lang="en-US" sz="2100" dirty="0"/>
+          </a:p>
+          <a:p>
+            <a:pPr marL="342900" indent="-342900">
+              <a:buFont typeface="Arial" panose="020B0604020202020204" pitchFamily="34" charset="0"/>
+              <a:buChar char="•"/>
+            </a:pPr>
+            <a:r>
+              <a:rPr lang="en-US" sz="2100" dirty="0"/>
+              <a:t>In consumer mode </a:t>
+            </a:r>
+            <a:r>
+              <a:rPr lang="en-US" sz="2100" dirty="0" err="1"/>
+              <a:t>kcat</a:t>
+            </a:r>
+            <a:r>
+              <a:rPr lang="en-US" sz="2100" dirty="0"/>
+              <a:t> reads messages from a topic and partition and prints them to </a:t>
+            </a:r>
+            <a:r>
+              <a:rPr lang="en-US" sz="2100" dirty="0" err="1"/>
+              <a:t>stdout</a:t>
+            </a:r>
+            <a:r>
+              <a:rPr lang="en-US" sz="2100" dirty="0"/>
+              <a:t>.</a:t>
             </a:r>
             <a:endParaRPr lang="da-DK" sz="2100" dirty="0" err="1"/>
           </a:p>
         </p:txBody>
       </p:sp>
+      <p:pic>
+        <p:nvPicPr>
+          <p:cNvPr id="1026" name="Picture 2" descr="logo by @dtrapezoid">
+            <a:extLst>
+              <a:ext uri="{FF2B5EF4-FFF2-40B4-BE49-F238E27FC236}">
+                <a16:creationId xmlns:a16="http://schemas.microsoft.com/office/drawing/2014/main" id="{2A62BE4A-56F3-4D5C-8215-DD0BD2D7B665}"/>
+              </a:ext>
+            </a:extLst>
+          </p:cNvPr>
+          <p:cNvPicPr>
+            <a:picLocks noChangeAspect="1" noChangeArrowheads="1"/>
+          </p:cNvPicPr>
+          <p:nvPr/>
+        </p:nvPicPr>
+        <p:blipFill>
+          <a:blip r:embed="rId4">
+            <a:extLst>
+              <a:ext uri="{28A0092B-C50C-407E-A947-70E740481C1C}">
+                <a14:useLocalDpi xmlns:a14="http://schemas.microsoft.com/office/drawing/2010/main" val="0"/>
+              </a:ext>
+            </a:extLst>
+          </a:blip>
+          <a:srcRect/>
+          <a:stretch>
+            <a:fillRect/>
+          </a:stretch>
+        </p:blipFill>
+        <p:spPr bwMode="auto">
+          <a:xfrm>
+            <a:off x="8747570" y="2627918"/>
+            <a:ext cx="2524125" cy="2447925"/>
+          </a:xfrm>
+          <a:prstGeom prst="rect">
+            <a:avLst/>
+          </a:prstGeom>
+          <a:noFill/>
+          <a:extLst>
+            <a:ext uri="{909E8E84-426E-40DD-AFC4-6F175D3DCCD1}">
+              <a14:hiddenFill xmlns:a14="http://schemas.microsoft.com/office/drawing/2010/main">
+                <a:solidFill>
+                  <a:srgbClr val="FFFFFF"/>
+                </a:solidFill>
+              </a14:hiddenFill>
+            </a:ext>
+          </a:extLst>
+        </p:spPr>
+      </p:pic>
     </p:spTree>
     <p:extLst>
       <p:ext uri="{BB962C8B-B14F-4D97-AF65-F5344CB8AC3E}">
@@ -26209,6 +26322,134 @@
   <p:clrMapOvr>
     <a:masterClrMapping/>
   </p:clrMapOvr>
+  <p:timing>
+    <p:tnLst>
+      <p:par>
+        <p:cTn id="1" dur="indefinite" restart="never" nodeType="tmRoot">
+          <p:childTnLst>
+            <p:seq concurrent="1" nextAc="seek">
+              <p:cTn id="2" dur="indefinite" nodeType="mainSeq">
+                <p:childTnLst>
+                  <p:par>
+                    <p:cTn id="3" fill="hold">
+                      <p:stCondLst>
+                        <p:cond delay="indefinite"/>
+                      </p:stCondLst>
+                      <p:childTnLst>
+                        <p:par>
+                          <p:cTn id="4" fill="hold">
+                            <p:stCondLst>
+                              <p:cond delay="0"/>
+                            </p:stCondLst>
+                            <p:childTnLst>
+                              <p:par>
+                                <p:cTn id="5" presetID="1" presetClass="entr" presetSubtype="0" fill="hold" nodeType="clickEffect">
+                                  <p:stCondLst>
+                                    <p:cond delay="0"/>
+                                  </p:stCondLst>
+                                  <p:childTnLst>
+                                    <p:set>
+                                      <p:cBhvr>
+                                        <p:cTn id="6" dur="1" fill="hold">
+                                          <p:stCondLst>
+                                            <p:cond delay="0"/>
+                                          </p:stCondLst>
+                                        </p:cTn>
+                                        <p:tgtEl>
+                                          <p:spTgt spid="8">
+                                            <p:txEl>
+                                              <p:pRg st="2" end="2"/>
+                                            </p:txEl>
+                                          </p:spTgt>
+                                        </p:tgtEl>
+                                        <p:attrNameLst>
+                                          <p:attrName>style.visibility</p:attrName>
+                                        </p:attrNameLst>
+                                      </p:cBhvr>
+                                      <p:to>
+                                        <p:strVal val="visible"/>
+                                      </p:to>
+                                    </p:set>
+                                  </p:childTnLst>
+                                </p:cTn>
+                              </p:par>
+                            </p:childTnLst>
+                          </p:cTn>
+                        </p:par>
+                      </p:childTnLst>
+                    </p:cTn>
+                  </p:par>
+                  <p:par>
+                    <p:cTn id="7" fill="hold">
+                      <p:stCondLst>
+                        <p:cond delay="indefinite"/>
+                      </p:stCondLst>
+                      <p:childTnLst>
+                        <p:par>
+                          <p:cTn id="8" fill="hold">
+                            <p:stCondLst>
+                              <p:cond delay="0"/>
+                            </p:stCondLst>
+                            <p:childTnLst>
+                              <p:par>
+                                <p:cTn id="9" presetID="1" presetClass="entr" presetSubtype="0" fill="hold" nodeType="clickEffect">
+                                  <p:stCondLst>
+                                    <p:cond delay="0"/>
+                                  </p:stCondLst>
+                                  <p:childTnLst>
+                                    <p:set>
+                                      <p:cBhvr>
+                                        <p:cTn id="10" dur="1" fill="hold">
+                                          <p:stCondLst>
+                                            <p:cond delay="0"/>
+                                          </p:stCondLst>
+                                        </p:cTn>
+                                        <p:tgtEl>
+                                          <p:spTgt spid="8">
+                                            <p:txEl>
+                                              <p:pRg st="4" end="4"/>
+                                            </p:txEl>
+                                          </p:spTgt>
+                                        </p:tgtEl>
+                                        <p:attrNameLst>
+                                          <p:attrName>style.visibility</p:attrName>
+                                        </p:attrNameLst>
+                                      </p:cBhvr>
+                                      <p:to>
+                                        <p:strVal val="visible"/>
+                                      </p:to>
+                                    </p:set>
+                                  </p:childTnLst>
+                                </p:cTn>
+                              </p:par>
+                            </p:childTnLst>
+                          </p:cTn>
+                        </p:par>
+                      </p:childTnLst>
+                    </p:cTn>
+                  </p:par>
+                </p:childTnLst>
+              </p:cTn>
+              <p:prevCondLst>
+                <p:cond evt="onPrev" delay="0">
+                  <p:tgtEl>
+                    <p:sldTgt/>
+                  </p:tgtEl>
+                </p:cond>
+              </p:prevCondLst>
+              <p:nextCondLst>
+                <p:cond evt="onNext" delay="0">
+                  <p:tgtEl>
+                    <p:sldTgt/>
+                  </p:tgtEl>
+                </p:cond>
+              </p:nextCondLst>
+            </p:seq>
+          </p:childTnLst>
+        </p:cTn>
+      </p:par>
+    </p:tnLst>
+  </p:timing>
 </p:sld>
 </file>
 
@@ -26421,7 +26662,7 @@
                     <a:schemeClr val="bg1"/>
                   </a:solidFill>
                 </a:rPr>
-                <a:t>Websocat</a:t>
+                <a:t>wscat</a:t>
               </a:r>
               <a:endParaRPr lang="en-US" sz="2000" dirty="0">
                 <a:solidFill>
@@ -26460,22 +26701,98 @@
           </a:bodyPr>
           <a:lstStyle/>
           <a:p>
+            <a:pPr marL="342900" indent="-342900">
+              <a:buFont typeface="Arial" panose="020B0604020202020204" pitchFamily="34" charset="0"/>
+              <a:buChar char="•"/>
+            </a:pPr>
+            <a:r>
+              <a:rPr lang="en-US" sz="2100" dirty="0" err="1"/>
+              <a:t>wscat</a:t>
+            </a:r>
             <a:r>
               <a:rPr lang="en-US" sz="2100" dirty="0"/>
-              <a:t>TODO: What is </a:t>
+              <a:t> is a tool for connecting to and serving </a:t>
             </a:r>
             <a:r>
               <a:rPr lang="en-US" sz="2100" dirty="0" err="1"/>
-              <a:t>Websocat</a:t>
-            </a:r>
-            <a:r>
-              <a:rPr lang="da-DK" sz="2100" dirty="0"/>
-              <a:t>?</a:t>
-            </a:r>
+              <a:t>WebSockets</a:t>
+            </a:r>
+            <a:r>
+              <a:rPr lang="en-US" sz="2100" dirty="0"/>
+              <a:t> from the command line.</a:t>
+            </a:r>
+          </a:p>
+          <a:p>
+            <a:pPr marL="342900" indent="-342900">
+              <a:buFont typeface="Arial" panose="020B0604020202020204" pitchFamily="34" charset="0"/>
+              <a:buChar char="•"/>
+            </a:pPr>
             <a:endParaRPr lang="en-US" sz="2100" dirty="0"/>
+          </a:p>
+          <a:p>
+            <a:pPr marL="342900" indent="-342900">
+              <a:buFont typeface="Arial" panose="020B0604020202020204" pitchFamily="34" charset="0"/>
+              <a:buChar char="•"/>
+            </a:pPr>
+            <a:r>
+              <a:rPr lang="en-US" sz="2100" dirty="0" err="1"/>
+              <a:t>wscat</a:t>
+            </a:r>
+            <a:r>
+              <a:rPr lang="en-US" sz="2100" dirty="0"/>
+              <a:t> works on Linux, Windows &amp; Mac.</a:t>
+            </a:r>
+            <a:endParaRPr lang="da-DK" sz="2100" dirty="0" err="1"/>
           </a:p>
         </p:txBody>
       </p:sp>
+      <p:pic>
+        <p:nvPicPr>
+          <p:cNvPr id="2052" name="Picture 4" descr="WebSocket security issues - Infosec Resources">
+            <a:extLst>
+              <a:ext uri="{FF2B5EF4-FFF2-40B4-BE49-F238E27FC236}">
+                <a16:creationId xmlns:a16="http://schemas.microsoft.com/office/drawing/2014/main" id="{898FE722-136A-4DF6-9983-CD5F88F7841C}"/>
+              </a:ext>
+            </a:extLst>
+          </p:cNvPr>
+          <p:cNvPicPr>
+            <a:picLocks noChangeAspect="1" noChangeArrowheads="1"/>
+          </p:cNvPicPr>
+          <p:nvPr/>
+        </p:nvPicPr>
+        <p:blipFill>
+          <a:blip r:embed="rId4">
+            <a:extLst>
+              <a:ext uri="{28A0092B-C50C-407E-A947-70E740481C1C}">
+                <a14:useLocalDpi xmlns:a14="http://schemas.microsoft.com/office/drawing/2010/main" val="0"/>
+              </a:ext>
+            </a:extLst>
+          </a:blip>
+          <a:srcRect/>
+          <a:stretch>
+            <a:fillRect/>
+          </a:stretch>
+        </p:blipFill>
+        <p:spPr bwMode="auto">
+          <a:xfrm>
+            <a:off x="7419975" y="2148356"/>
+            <a:ext cx="4772025" cy="2936631"/>
+          </a:xfrm>
+          <a:prstGeom prst="rect">
+            <a:avLst/>
+          </a:prstGeom>
+          <a:noFill/>
+          <a:extLst>
+            <a:ext uri="{909E8E84-426E-40DD-AFC4-6F175D3DCCD1}">
+              <a14:hiddenFill xmlns:a14="http://schemas.microsoft.com/office/drawing/2010/main">
+                <a:solidFill>
+                  <a:srgbClr val="FFFFFF"/>
+                </a:solidFill>
+              </a14:hiddenFill>
+            </a:ext>
+          </a:extLst>
+        </p:spPr>
+      </p:pic>
     </p:spTree>
     <p:extLst>
       <p:ext uri="{BB962C8B-B14F-4D97-AF65-F5344CB8AC3E}">
@@ -26486,6 +26803,85 @@
   <p:clrMapOvr>
     <a:masterClrMapping/>
   </p:clrMapOvr>
+  <p:timing>
+    <p:tnLst>
+      <p:par>
+        <p:cTn id="1" dur="indefinite" restart="never" nodeType="tmRoot">
+          <p:childTnLst>
+            <p:seq concurrent="1" nextAc="seek">
+              <p:cTn id="2" dur="indefinite" nodeType="mainSeq">
+                <p:childTnLst>
+                  <p:par>
+                    <p:cTn id="3" fill="hold">
+                      <p:stCondLst>
+                        <p:cond delay="indefinite"/>
+                      </p:stCondLst>
+                      <p:childTnLst>
+                        <p:par>
+                          <p:cTn id="4" fill="hold">
+                            <p:stCondLst>
+                              <p:cond delay="0"/>
+                            </p:stCondLst>
+                            <p:childTnLst>
+                              <p:par>
+                                <p:cTn id="5" presetID="1" presetClass="entr" presetSubtype="0" fill="hold" nodeType="clickEffect">
+                                  <p:stCondLst>
+                                    <p:cond delay="0"/>
+                                  </p:stCondLst>
+                                  <p:childTnLst>
+                                    <p:set>
+                                      <p:cBhvr>
+                                        <p:cTn id="6" dur="1" fill="hold">
+                                          <p:stCondLst>
+                                            <p:cond delay="0"/>
+                                          </p:stCondLst>
+                                        </p:cTn>
+                                        <p:tgtEl>
+                                          <p:spTgt spid="7">
+                                            <p:txEl>
+                                              <p:pRg st="2" end="2"/>
+                                            </p:txEl>
+                                          </p:spTgt>
+                                        </p:tgtEl>
+                                        <p:attrNameLst>
+                                          <p:attrName>style.visibility</p:attrName>
+                                        </p:attrNameLst>
+                                      </p:cBhvr>
+                                      <p:to>
+                                        <p:strVal val="visible"/>
+                                      </p:to>
+                                    </p:set>
+                                  </p:childTnLst>
+                                </p:cTn>
+                              </p:par>
+                            </p:childTnLst>
+                          </p:cTn>
+                        </p:par>
+                      </p:childTnLst>
+                    </p:cTn>
+                  </p:par>
+                </p:childTnLst>
+              </p:cTn>
+              <p:prevCondLst>
+                <p:cond evt="onPrev" delay="0">
+                  <p:tgtEl>
+                    <p:sldTgt/>
+                  </p:tgtEl>
+                </p:cond>
+              </p:prevCondLst>
+              <p:nextCondLst>
+                <p:cond evt="onNext" delay="0">
+                  <p:tgtEl>
+                    <p:sldTgt/>
+                  </p:tgtEl>
+                </p:cond>
+              </p:nextCondLst>
+            </p:seq>
+          </p:childTnLst>
+        </p:cTn>
+      </p:par>
+    </p:tnLst>
+  </p:timing>
 </p:sld>
 </file>
 
@@ -31423,6 +31819,15 @@
 </file>
 
 <file path=customXml/item1.xml><?xml version="1.0" encoding="utf-8"?>
+<?mso-contentType ?>
+<FormTemplates xmlns="http://schemas.microsoft.com/sharepoint/v3/contenttype/forms">
+  <Display>DocumentLibraryForm</Display>
+  <Edit>DocumentLibraryForm</Edit>
+  <New>DocumentLibraryForm</New>
+</FormTemplates>
+</file>
+
+<file path=customXml/item2.xml><?xml version="1.0" encoding="utf-8"?>
 <ct:contentTypeSchema xmlns:ct="http://schemas.microsoft.com/office/2006/metadata/contentType" xmlns:ma="http://schemas.microsoft.com/office/2006/metadata/properties/metaAttributes" ct:_="" ma:_="" ma:contentTypeName="Dokument" ma:contentTypeID="0x010100F65BD4264CB9094CA7944F610D2D7DCA" ma:contentTypeVersion="7" ma:contentTypeDescription="Opret et nyt dokument." ma:contentTypeScope="" ma:versionID="285eed63ac2e046b8ebe16ddc91dee82">
   <xsd:schema xmlns:xsd="http://www.w3.org/2001/XMLSchema" xmlns:xs="http://www.w3.org/2001/XMLSchema" xmlns:p="http://schemas.microsoft.com/office/2006/metadata/properties" xmlns:ns2="2279a1a0-7112-41f8-b496-d9a5c3576fb0" xmlns:ns3="95c0be1d-4093-4789-923d-5b0c8c8304dc" targetNamespace="http://schemas.microsoft.com/office/2006/metadata/properties" ma:root="true" ma:fieldsID="92b7f3ae194bb82c73e460576e55bd12" ns2:_="" ns3:_="">
     <xsd:import namespace="2279a1a0-7112-41f8-b496-d9a5c3576fb0"/>
@@ -31607,15 +32012,6 @@
 </ct:contentTypeSchema>
 </file>
 
-<file path=customXml/item2.xml><?xml version="1.0" encoding="utf-8"?>
-<?mso-contentType ?>
-<FormTemplates xmlns="http://schemas.microsoft.com/sharepoint/v3/contenttype/forms">
-  <Display>DocumentLibraryForm</Display>
-  <Edit>DocumentLibraryForm</Edit>
-  <New>DocumentLibraryForm</New>
-</FormTemplates>
-</file>
-
 <file path=customXml/item3.xml><?xml version="1.0" encoding="utf-8"?>
 <p:properties xmlns:p="http://schemas.microsoft.com/office/2006/metadata/properties" xmlns:xsi="http://www.w3.org/2001/XMLSchema-instance" xmlns:pc="http://schemas.microsoft.com/office/infopath/2007/PartnerControls">
   <documentManagement/>
@@ -31623,6 +32019,14 @@
 </file>
 
 <file path=customXml/itemProps1.xml><?xml version="1.0" encoding="utf-8"?>
+<ds:datastoreItem xmlns:ds="http://schemas.openxmlformats.org/officeDocument/2006/customXml" ds:itemID="{4273EE10-C1B2-449B-9085-39965BA21A56}">
+  <ds:schemaRefs>
+    <ds:schemaRef ds:uri="http://schemas.microsoft.com/sharepoint/v3/contenttype/forms"/>
+  </ds:schemaRefs>
+</ds:datastoreItem>
+</file>
+
+<file path=customXml/itemProps2.xml><?xml version="1.0" encoding="utf-8"?>
 <ds:datastoreItem xmlns:ds="http://schemas.openxmlformats.org/officeDocument/2006/customXml" ds:itemID="{D4EFA56C-2770-467D-8E59-C07C9A9CC313}">
   <ds:schemaRefs>
     <ds:schemaRef ds:uri="http://schemas.microsoft.com/office/2006/metadata/contentType"/>
@@ -31641,14 +32045,6 @@
 </ds:datastoreItem>
 </file>
 
-<file path=customXml/itemProps2.xml><?xml version="1.0" encoding="utf-8"?>
-<ds:datastoreItem xmlns:ds="http://schemas.openxmlformats.org/officeDocument/2006/customXml" ds:itemID="{4273EE10-C1B2-449B-9085-39965BA21A56}">
-  <ds:schemaRefs>
-    <ds:schemaRef ds:uri="http://schemas.microsoft.com/sharepoint/v3/contenttype/forms"/>
-  </ds:schemaRefs>
-</ds:datastoreItem>
-</file>
-
 <file path=customXml/itemProps3.xml><?xml version="1.0" encoding="utf-8"?>
 <ds:datastoreItem xmlns:ds="http://schemas.openxmlformats.org/officeDocument/2006/customXml" ds:itemID="{B61EE2CA-DCC7-45E5-87C8-6789A166AF77}">
   <ds:schemaRefs>

--- a/workshops/event-api-deep-dive/event-api-deep-dive.pptx
+++ b/workshops/event-api-deep-dive/event-api-deep-dive.pptx
@@ -3064,7 +3064,7 @@
           <a:p>
             <a:fld id="{F540F470-726F-426E-889A-8E92A4693460}" type="datetimeFigureOut">
               <a:rPr lang="en-GB" smtClean="0"/>
-              <a:t>22/06/2022</a:t>
+              <a:t>11/07/2022</a:t>
             </a:fld>
             <a:endParaRPr lang="en-GB" dirty="0"/>
           </a:p>
@@ -3234,7 +3234,7 @@
             <a:fld id="{CD72A38B-F9FA-4036-A084-652409E98F08}" type="datetimeFigureOut">
               <a:rPr lang="en-GB" smtClean="0"/>
               <a:pPr/>
-              <a:t>22/06/2022</a:t>
+              <a:t>11/07/2022</a:t>
             </a:fld>
             <a:endParaRPr lang="en-GB" dirty="0"/>
           </a:p>
@@ -3983,18 +3983,7 @@
               <a:buFontTx/>
               <a:buNone/>
             </a:pPr>
-            <a:r>
-              <a:rPr lang="en-US" dirty="0"/>
-              <a:t>TODO: Postman + </a:t>
-            </a:r>
-            <a:r>
-              <a:rPr lang="en-US" dirty="0" err="1"/>
-              <a:t>AsyncAPI</a:t>
-            </a:r>
-            <a:r>
-              <a:rPr lang="en-US" dirty="0"/>
-              <a:t> kata</a:t>
-            </a:r>
+            <a:endParaRPr lang="en-US" dirty="0"/>
           </a:p>
         </p:txBody>
       </p:sp>
@@ -4554,14 +4543,7 @@
           <a:bodyPr/>
           <a:lstStyle/>
           <a:p>
-            <a:r>
-              <a:rPr lang="en-US" dirty="0" err="1"/>
-              <a:t>Websocat</a:t>
-            </a:r>
-            <a:r>
-              <a:rPr lang="en-US" dirty="0"/>
-              <a:t> demo</a:t>
-            </a:r>
+            <a:endParaRPr lang="en-US" dirty="0"/>
           </a:p>
         </p:txBody>
       </p:sp>
@@ -5178,48 +5160,7 @@
               <a:buFontTx/>
               <a:buNone/>
             </a:pPr>
-            <a:r>
-              <a:rPr lang="en-US" dirty="0"/>
-              <a:t>TODO: long-polling kata</a:t>
-            </a:r>
-          </a:p>
-          <a:p>
-            <a:pPr marL="0" indent="0">
-              <a:buFontTx/>
-              <a:buNone/>
-            </a:pPr>
-            <a:r>
-              <a:rPr lang="en-US" dirty="0"/>
-              <a:t>TODO: SSE kata</a:t>
-            </a:r>
-          </a:p>
-          <a:p>
-            <a:pPr marL="0" indent="0">
-              <a:buFontTx/>
-              <a:buNone/>
-            </a:pPr>
-            <a:r>
-              <a:rPr lang="en-US" dirty="0"/>
-              <a:t>TODO: WS kata</a:t>
-            </a:r>
-          </a:p>
-          <a:p>
-            <a:pPr marL="0" indent="0">
-              <a:buFontTx/>
-              <a:buNone/>
-            </a:pPr>
-            <a:r>
-              <a:rPr lang="en-US" dirty="0"/>
-              <a:t>STRETCH: </a:t>
-            </a:r>
-            <a:r>
-              <a:rPr lang="en-US" dirty="0" err="1"/>
-              <a:t>gRPC</a:t>
-            </a:r>
-            <a:r>
-              <a:rPr lang="en-US" dirty="0"/>
-              <a:t> kata</a:t>
-            </a:r>
+            <a:endParaRPr lang="en-US" dirty="0"/>
           </a:p>
         </p:txBody>
       </p:sp>
@@ -6329,7 +6270,7 @@
           <a:p>
             <a:fld id="{CAE15A36-EF7C-49E1-9E28-DC0261021B88}" type="datetime4">
               <a:rPr lang="en-GB" smtClean="0"/>
-              <a:t>22 June 2022</a:t>
+              <a:t>11 July 2022</a:t>
             </a:fld>
             <a:endParaRPr lang="en-GB" dirty="0"/>
           </a:p>
@@ -6832,7 +6773,7 @@
           <a:p>
             <a:fld id="{73A80043-8D1A-4EE7-8835-0FA45918CF0B}" type="datetime4">
               <a:rPr lang="en-GB" smtClean="0"/>
-              <a:t>22 June 2022</a:t>
+              <a:t>11 July 2022</a:t>
             </a:fld>
             <a:endParaRPr lang="en-GB" dirty="0"/>
           </a:p>
@@ -15358,7 +15299,7 @@
           <a:p>
             <a:fld id="{61C39D88-A2D2-46EF-88AA-9A0C8DF2E827}" type="datetime4">
               <a:rPr lang="en-GB" smtClean="0"/>
-              <a:t>22 June 2022</a:t>
+              <a:t>11 July 2022</a:t>
             </a:fld>
             <a:endParaRPr lang="en-GB" dirty="0"/>
           </a:p>
@@ -16745,7 +16686,7 @@
           <a:p>
             <a:fld id="{E66F39FE-A71C-4EA9-B6A2-49D418A61827}" type="datetimeFigureOut">
               <a:rPr lang="en-US" smtClean="0"/>
-              <a:t>6/22/2022</a:t>
+              <a:t>7/11/2022</a:t>
             </a:fld>
             <a:endParaRPr lang="en-US"/>
           </a:p>
@@ -20526,7 +20467,7 @@
           <a:p>
             <a:fld id="{A98DB34D-784C-4D9C-ABD8-61F63F762187}" type="datetime4">
               <a:rPr lang="en-GB" smtClean="0"/>
-              <a:t>22 June 2022</a:t>
+              <a:t>11 July 2022</a:t>
             </a:fld>
             <a:endParaRPr lang="en-GB" dirty="0"/>
           </a:p>
@@ -29491,7 +29432,7 @@
             <a:lstStyle/>
             <a:p>
               <a:pPr algn="ctr"/>
-              <a:endParaRPr lang="en-US" sz="1225"/>
+              <a:endParaRPr lang="en-US" sz="1225" dirty="0"/>
             </a:p>
           </p:txBody>
         </p:sp>

--- a/workshops/event-api-deep-dive/event-api-deep-dive.pptx
+++ b/workshops/event-api-deep-dive/event-api-deep-dive.pptx
@@ -3064,7 +3064,7 @@
           <a:p>
             <a:fld id="{F540F470-726F-426E-889A-8E92A4693460}" type="datetimeFigureOut">
               <a:rPr lang="en-GB" smtClean="0"/>
-              <a:t>11/07/2022</a:t>
+              <a:t>12/07/2022</a:t>
             </a:fld>
             <a:endParaRPr lang="en-GB" dirty="0"/>
           </a:p>
@@ -3234,7 +3234,7 @@
             <a:fld id="{CD72A38B-F9FA-4036-A084-652409E98F08}" type="datetimeFigureOut">
               <a:rPr lang="en-GB" smtClean="0"/>
               <a:pPr/>
-              <a:t>11/07/2022</a:t>
+              <a:t>12/07/2022</a:t>
             </a:fld>
             <a:endParaRPr lang="en-GB" dirty="0"/>
           </a:p>
@@ -4344,36 +4344,7 @@
               <a:tabLst/>
               <a:defRPr/>
             </a:pPr>
-            <a:r>
-              <a:rPr lang="en-US" dirty="0"/>
-              <a:t>TODO: </a:t>
-            </a:r>
-            <a:r>
-              <a:rPr lang="en-US" dirty="0" err="1"/>
-              <a:t>kcat</a:t>
-            </a:r>
-            <a:r>
-              <a:rPr lang="en-US" dirty="0"/>
-              <a:t> kata</a:t>
-            </a:r>
-          </a:p>
-          <a:p>
-            <a:pPr marL="0" indent="0">
-              <a:buFontTx/>
-              <a:buNone/>
-            </a:pPr>
-            <a:r>
-              <a:rPr lang="en-US" dirty="0"/>
-              <a:t>TODO: </a:t>
-            </a:r>
-            <a:r>
-              <a:rPr lang="en-US" dirty="0" err="1"/>
-              <a:t>wscat</a:t>
-            </a:r>
-            <a:r>
-              <a:rPr lang="en-US" dirty="0"/>
-              <a:t> kata</a:t>
-            </a:r>
+            <a:endParaRPr lang="en-US" dirty="0"/>
           </a:p>
         </p:txBody>
       </p:sp>
@@ -6270,7 +6241,7 @@
           <a:p>
             <a:fld id="{CAE15A36-EF7C-49E1-9E28-DC0261021B88}" type="datetime4">
               <a:rPr lang="en-GB" smtClean="0"/>
-              <a:t>11 July 2022</a:t>
+              <a:t>12 July 2022</a:t>
             </a:fld>
             <a:endParaRPr lang="en-GB" dirty="0"/>
           </a:p>
@@ -6773,7 +6744,7 @@
           <a:p>
             <a:fld id="{73A80043-8D1A-4EE7-8835-0FA45918CF0B}" type="datetime4">
               <a:rPr lang="en-GB" smtClean="0"/>
-              <a:t>11 July 2022</a:t>
+              <a:t>12 July 2022</a:t>
             </a:fld>
             <a:endParaRPr lang="en-GB" dirty="0"/>
           </a:p>
@@ -15299,7 +15270,7 @@
           <a:p>
             <a:fld id="{61C39D88-A2D2-46EF-88AA-9A0C8DF2E827}" type="datetime4">
               <a:rPr lang="en-GB" smtClean="0"/>
-              <a:t>11 July 2022</a:t>
+              <a:t>12 July 2022</a:t>
             </a:fld>
             <a:endParaRPr lang="en-GB" dirty="0"/>
           </a:p>
@@ -16686,7 +16657,7 @@
           <a:p>
             <a:fld id="{E66F39FE-A71C-4EA9-B6A2-49D418A61827}" type="datetimeFigureOut">
               <a:rPr lang="en-US" smtClean="0"/>
-              <a:t>7/11/2022</a:t>
+              <a:t>7/12/2022</a:t>
             </a:fld>
             <a:endParaRPr lang="en-US"/>
           </a:p>
@@ -20467,7 +20438,7 @@
           <a:p>
             <a:fld id="{A98DB34D-784C-4D9C-ABD8-61F63F762187}" type="datetime4">
               <a:rPr lang="en-GB" smtClean="0"/>
-              <a:t>11 July 2022</a:t>
+              <a:t>12 July 2022</a:t>
             </a:fld>
             <a:endParaRPr lang="en-GB" dirty="0"/>
           </a:p>
@@ -31760,15 +31731,6 @@
 </file>
 
 <file path=customXml/item1.xml><?xml version="1.0" encoding="utf-8"?>
-<?mso-contentType ?>
-<FormTemplates xmlns="http://schemas.microsoft.com/sharepoint/v3/contenttype/forms">
-  <Display>DocumentLibraryForm</Display>
-  <Edit>DocumentLibraryForm</Edit>
-  <New>DocumentLibraryForm</New>
-</FormTemplates>
-</file>
-
-<file path=customXml/item2.xml><?xml version="1.0" encoding="utf-8"?>
 <ct:contentTypeSchema xmlns:ct="http://schemas.microsoft.com/office/2006/metadata/contentType" xmlns:ma="http://schemas.microsoft.com/office/2006/metadata/properties/metaAttributes" ct:_="" ma:_="" ma:contentTypeName="Dokument" ma:contentTypeID="0x010100F65BD4264CB9094CA7944F610D2D7DCA" ma:contentTypeVersion="7" ma:contentTypeDescription="Opret et nyt dokument." ma:contentTypeScope="" ma:versionID="285eed63ac2e046b8ebe16ddc91dee82">
   <xsd:schema xmlns:xsd="http://www.w3.org/2001/XMLSchema" xmlns:xs="http://www.w3.org/2001/XMLSchema" xmlns:p="http://schemas.microsoft.com/office/2006/metadata/properties" xmlns:ns2="2279a1a0-7112-41f8-b496-d9a5c3576fb0" xmlns:ns3="95c0be1d-4093-4789-923d-5b0c8c8304dc" targetNamespace="http://schemas.microsoft.com/office/2006/metadata/properties" ma:root="true" ma:fieldsID="92b7f3ae194bb82c73e460576e55bd12" ns2:_="" ns3:_="">
     <xsd:import namespace="2279a1a0-7112-41f8-b496-d9a5c3576fb0"/>
@@ -31953,6 +31915,15 @@
 </ct:contentTypeSchema>
 </file>
 
+<file path=customXml/item2.xml><?xml version="1.0" encoding="utf-8"?>
+<?mso-contentType ?>
+<FormTemplates xmlns="http://schemas.microsoft.com/sharepoint/v3/contenttype/forms">
+  <Display>DocumentLibraryForm</Display>
+  <Edit>DocumentLibraryForm</Edit>
+  <New>DocumentLibraryForm</New>
+</FormTemplates>
+</file>
+
 <file path=customXml/item3.xml><?xml version="1.0" encoding="utf-8"?>
 <p:properties xmlns:p="http://schemas.microsoft.com/office/2006/metadata/properties" xmlns:xsi="http://www.w3.org/2001/XMLSchema-instance" xmlns:pc="http://schemas.microsoft.com/office/infopath/2007/PartnerControls">
   <documentManagement/>
@@ -31960,14 +31931,6 @@
 </file>
 
 <file path=customXml/itemProps1.xml><?xml version="1.0" encoding="utf-8"?>
-<ds:datastoreItem xmlns:ds="http://schemas.openxmlformats.org/officeDocument/2006/customXml" ds:itemID="{4273EE10-C1B2-449B-9085-39965BA21A56}">
-  <ds:schemaRefs>
-    <ds:schemaRef ds:uri="http://schemas.microsoft.com/sharepoint/v3/contenttype/forms"/>
-  </ds:schemaRefs>
-</ds:datastoreItem>
-</file>
-
-<file path=customXml/itemProps2.xml><?xml version="1.0" encoding="utf-8"?>
 <ds:datastoreItem xmlns:ds="http://schemas.openxmlformats.org/officeDocument/2006/customXml" ds:itemID="{D4EFA56C-2770-467D-8E59-C07C9A9CC313}">
   <ds:schemaRefs>
     <ds:schemaRef ds:uri="http://schemas.microsoft.com/office/2006/metadata/contentType"/>
@@ -31986,6 +31949,14 @@
 </ds:datastoreItem>
 </file>
 
+<file path=customXml/itemProps2.xml><?xml version="1.0" encoding="utf-8"?>
+<ds:datastoreItem xmlns:ds="http://schemas.openxmlformats.org/officeDocument/2006/customXml" ds:itemID="{4273EE10-C1B2-449B-9085-39965BA21A56}">
+  <ds:schemaRefs>
+    <ds:schemaRef ds:uri="http://schemas.microsoft.com/sharepoint/v3/contenttype/forms"/>
+  </ds:schemaRefs>
+</ds:datastoreItem>
+</file>
+
 <file path=customXml/itemProps3.xml><?xml version="1.0" encoding="utf-8"?>
 <ds:datastoreItem xmlns:ds="http://schemas.openxmlformats.org/officeDocument/2006/customXml" ds:itemID="{B61EE2CA-DCC7-45E5-87C8-6789A166AF77}">
   <ds:schemaRefs>
